--- a/2. Inheritance.pptx
+++ b/2. Inheritance.pptx
@@ -5,12 +5,13 @@
     <p:sldMasterId id="2147483648" r:id="rId1"/>
   </p:sldMasterIdLst>
   <p:notesMasterIdLst>
-    <p:notesMasterId r:id="rId5"/>
+    <p:notesMasterId r:id="rId6"/>
   </p:notesMasterIdLst>
   <p:sldIdLst>
     <p:sldId id="256" r:id="rId2"/>
     <p:sldId id="260" r:id="rId3"/>
     <p:sldId id="261" r:id="rId4"/>
+    <p:sldId id="262" r:id="rId5"/>
   </p:sldIdLst>
   <p:sldSz cx="12192000" cy="6858000"/>
   <p:notesSz cx="6858000" cy="9144000"/>
@@ -120,7 +121,7 @@
 <file path=ppt/revisionInfo.xml><?xml version="1.0" encoding="utf-8"?>
 <p1510:revInfo xmlns:a="http://schemas.openxmlformats.org/drawingml/2006/main" xmlns:r="http://schemas.openxmlformats.org/officeDocument/2006/relationships" xmlns:p1510="http://schemas.microsoft.com/office/powerpoint/2015/10/main">
   <p1510:revLst>
-    <p1510:client id="{DFC7EE52-A105-4E15-B0D5-75903B5A06B6}" v="585" dt="2021-05-05T17:30:58.999"/>
+    <p1510:client id="{DFC7EE52-A105-4E15-B0D5-75903B5A06B6}" v="698" dt="2021-05-07T17:29:48.641"/>
   </p1510:revLst>
 </p1510:revInfo>
 </file>
@@ -185,7 +186,7 @@
   <pc:docChgLst>
     <pc:chgData name="Felix Theroux" userId="542abe99-8cd3-45d7-bac7-857c7b176da4" providerId="ADAL" clId="{DFC7EE52-A105-4E15-B0D5-75903B5A06B6}"/>
     <pc:docChg chg="undo custSel addSld delSld modSld">
-      <pc:chgData name="Felix Theroux" userId="542abe99-8cd3-45d7-bac7-857c7b176da4" providerId="ADAL" clId="{DFC7EE52-A105-4E15-B0D5-75903B5A06B6}" dt="2021-05-05T17:30:58.999" v="1854"/>
+      <pc:chgData name="Felix Theroux" userId="542abe99-8cd3-45d7-bac7-857c7b176da4" providerId="ADAL" clId="{DFC7EE52-A105-4E15-B0D5-75903B5A06B6}" dt="2021-05-07T17:30:53.770" v="3598" actId="20577"/>
       <pc:docMkLst>
         <pc:docMk/>
       </pc:docMkLst>
@@ -496,7 +497,7 @@
         </pc:sldMkLst>
       </pc:sldChg>
       <pc:sldChg chg="modSp add modTransition modAnim modNotesTx">
-        <pc:chgData name="Felix Theroux" userId="542abe99-8cd3-45d7-bac7-857c7b176da4" providerId="ADAL" clId="{DFC7EE52-A105-4E15-B0D5-75903B5A06B6}" dt="2021-05-05T17:14:32.867" v="1203" actId="20577"/>
+        <pc:chgData name="Felix Theroux" userId="542abe99-8cd3-45d7-bac7-857c7b176da4" providerId="ADAL" clId="{DFC7EE52-A105-4E15-B0D5-75903B5A06B6}" dt="2021-05-07T14:06:14.721" v="2106" actId="20577"/>
         <pc:sldMkLst>
           <pc:docMk/>
           <pc:sldMk cId="2236427684" sldId="260"/>
@@ -511,7 +512,7 @@
         </pc:spChg>
       </pc:sldChg>
       <pc:sldChg chg="modSp add mod modAnim modNotesTx">
-        <pc:chgData name="Felix Theroux" userId="542abe99-8cd3-45d7-bac7-857c7b176da4" providerId="ADAL" clId="{DFC7EE52-A105-4E15-B0D5-75903B5A06B6}" dt="2021-05-05T17:30:58.999" v="1854"/>
+        <pc:chgData name="Felix Theroux" userId="542abe99-8cd3-45d7-bac7-857c7b176da4" providerId="ADAL" clId="{DFC7EE52-A105-4E15-B0D5-75903B5A06B6}" dt="2021-05-07T14:08:23.298" v="2463" actId="20577"/>
         <pc:sldMkLst>
           <pc:docMk/>
           <pc:sldMk cId="2805983188" sldId="261"/>
@@ -545,6 +546,76 @@
           <ac:spMkLst>
             <pc:docMk/>
             <pc:sldMk cId="2805983188" sldId="261"/>
+            <ac:spMk id="18" creationId="{E6B2F6AF-8889-4430-B2A7-1F6BE6870C7D}"/>
+          </ac:spMkLst>
+        </pc:spChg>
+      </pc:sldChg>
+      <pc:sldChg chg="modSp add del mod setBg">
+        <pc:chgData name="Felix Theroux" userId="542abe99-8cd3-45d7-bac7-857c7b176da4" providerId="ADAL" clId="{DFC7EE52-A105-4E15-B0D5-75903B5A06B6}" dt="2021-05-07T15:30:30.049" v="2499"/>
+        <pc:sldMkLst>
+          <pc:docMk/>
+          <pc:sldMk cId="6736181" sldId="262"/>
+        </pc:sldMkLst>
+        <pc:spChg chg="mod">
+          <ac:chgData name="Felix Theroux" userId="542abe99-8cd3-45d7-bac7-857c7b176da4" providerId="ADAL" clId="{DFC7EE52-A105-4E15-B0D5-75903B5A06B6}" dt="2021-05-07T15:30:28.824" v="2496" actId="20577"/>
+          <ac:spMkLst>
+            <pc:docMk/>
+            <pc:sldMk cId="6736181" sldId="262"/>
+            <ac:spMk id="14" creationId="{F89B6697-E65C-4E5E-86AC-6F84D080A021}"/>
+          </ac:spMkLst>
+        </pc:spChg>
+        <pc:spChg chg="mod">
+          <ac:chgData name="Felix Theroux" userId="542abe99-8cd3-45d7-bac7-857c7b176da4" providerId="ADAL" clId="{DFC7EE52-A105-4E15-B0D5-75903B5A06B6}" dt="2021-05-07T15:30:29.663" v="2498" actId="20577"/>
+          <ac:spMkLst>
+            <pc:docMk/>
+            <pc:sldMk cId="6736181" sldId="262"/>
+            <ac:spMk id="15" creationId="{26AAF5EA-26AA-4266-8ACC-92A6305F6A5A}"/>
+          </ac:spMkLst>
+        </pc:spChg>
+      </pc:sldChg>
+      <pc:sldChg chg="addSp delSp modSp add mod modAnim modNotesTx">
+        <pc:chgData name="Felix Theroux" userId="542abe99-8cd3-45d7-bac7-857c7b176da4" providerId="ADAL" clId="{DFC7EE52-A105-4E15-B0D5-75903B5A06B6}" dt="2021-05-07T17:30:53.770" v="3598" actId="20577"/>
+        <pc:sldMkLst>
+          <pc:docMk/>
+          <pc:sldMk cId="3938111817" sldId="262"/>
+        </pc:sldMkLst>
+        <pc:spChg chg="add del mod">
+          <ac:chgData name="Felix Theroux" userId="542abe99-8cd3-45d7-bac7-857c7b176da4" providerId="ADAL" clId="{DFC7EE52-A105-4E15-B0D5-75903B5A06B6}" dt="2021-05-07T15:36:43.051" v="3244" actId="20577"/>
+          <ac:spMkLst>
+            <pc:docMk/>
+            <pc:sldMk cId="3938111817" sldId="262"/>
+            <ac:spMk id="3" creationId="{94C1F62D-3073-4CD4-97D7-3B83FD97DE5E}"/>
+          </ac:spMkLst>
+        </pc:spChg>
+        <pc:spChg chg="mod">
+          <ac:chgData name="Felix Theroux" userId="542abe99-8cd3-45d7-bac7-857c7b176da4" providerId="ADAL" clId="{DFC7EE52-A105-4E15-B0D5-75903B5A06B6}" dt="2021-05-07T17:29:48.641" v="3517" actId="20577"/>
+          <ac:spMkLst>
+            <pc:docMk/>
+            <pc:sldMk cId="3938111817" sldId="262"/>
+            <ac:spMk id="4" creationId="{1E1B6101-391A-465A-9EE2-397E695ADFDE}"/>
+          </ac:spMkLst>
+        </pc:spChg>
+        <pc:spChg chg="mod">
+          <ac:chgData name="Felix Theroux" userId="542abe99-8cd3-45d7-bac7-857c7b176da4" providerId="ADAL" clId="{DFC7EE52-A105-4E15-B0D5-75903B5A06B6}" dt="2021-05-07T15:30:38.361" v="2501" actId="20577"/>
+          <ac:spMkLst>
+            <pc:docMk/>
+            <pc:sldMk cId="3938111817" sldId="262"/>
+            <ac:spMk id="14" creationId="{F89B6697-E65C-4E5E-86AC-6F84D080A021}"/>
+          </ac:spMkLst>
+        </pc:spChg>
+        <pc:spChg chg="mod">
+          <ac:chgData name="Felix Theroux" userId="542abe99-8cd3-45d7-bac7-857c7b176da4" providerId="ADAL" clId="{DFC7EE52-A105-4E15-B0D5-75903B5A06B6}" dt="2021-05-07T15:30:51.215" v="2542" actId="20577"/>
+          <ac:spMkLst>
+            <pc:docMk/>
+            <pc:sldMk cId="3938111817" sldId="262"/>
+            <ac:spMk id="15" creationId="{26AAF5EA-26AA-4266-8ACC-92A6305F6A5A}"/>
+          </ac:spMkLst>
+        </pc:spChg>
+        <pc:spChg chg="del mod">
+          <ac:chgData name="Felix Theroux" userId="542abe99-8cd3-45d7-bac7-857c7b176da4" providerId="ADAL" clId="{DFC7EE52-A105-4E15-B0D5-75903B5A06B6}" dt="2021-05-07T15:32:25.821" v="2689" actId="478"/>
+          <ac:spMkLst>
+            <pc:docMk/>
+            <pc:sldMk cId="3938111817" sldId="262"/>
             <ac:spMk id="18" creationId="{E6B2F6AF-8889-4430-B2A7-1F6BE6870C7D}"/>
           </ac:spMkLst>
         </pc:spChg>
@@ -636,7 +707,7 @@
           <a:p>
             <a:fld id="{49159134-6BFA-466F-80EE-621D8D1B11AD}" type="datetimeFigureOut">
               <a:rPr lang="en-US" smtClean="0"/>
-              <a:t>5/5/2021</a:t>
+              <a:t>5/7/2021</a:t>
             </a:fld>
             <a:endParaRPr lang="en-US"/>
           </a:p>
@@ -958,7 +1029,7 @@
           <a:p>
             <a:r>
               <a:rPr lang="en-US" dirty="0"/>
-              <a:t>For the example, apple tree and pear tree could be 2 different implementation of the interface that doesn’t share the same exact logic.</a:t>
+              <a:t>Real world example: Repository/Data access layer. Rest of the application doesn’t need to care/know the details how to access the database.</a:t>
             </a:r>
           </a:p>
         </p:txBody>
@@ -1048,6 +1119,15 @@
               <a:t>Pyrus (Pear tree)</a:t>
             </a:r>
           </a:p>
+          <a:p>
+            <a:endParaRPr lang="en-US" dirty="0"/>
+          </a:p>
+          <a:p>
+            <a:r>
+              <a:rPr lang="en-US" dirty="0"/>
+              <a:t>Real world example : Repositories : If all of repositories are 90% identical, you can create a base class the identical code and use inheritance to deal with the difference (Table name).</a:t>
+            </a:r>
+          </a:p>
         </p:txBody>
       </p:sp>
       <p:sp>
@@ -1077,6 +1157,107 @@
     <p:extLst>
       <p:ext uri="{BB962C8B-B14F-4D97-AF65-F5344CB8AC3E}">
         <p14:creationId xmlns:p14="http://schemas.microsoft.com/office/powerpoint/2010/main" val="1310917507"/>
+      </p:ext>
+    </p:extLst>
+  </p:cSld>
+  <p:clrMapOvr>
+    <a:masterClrMapping/>
+  </p:clrMapOvr>
+</p:notes>
+</file>
+
+<file path=ppt/notesSlides/notesSlide3.xml><?xml version="1.0" encoding="utf-8"?>
+<p:notes xmlns:a="http://schemas.openxmlformats.org/drawingml/2006/main" xmlns:r="http://schemas.openxmlformats.org/officeDocument/2006/relationships" xmlns:p="http://schemas.openxmlformats.org/presentationml/2006/main">
+  <p:cSld>
+    <p:spTree>
+      <p:nvGrpSpPr>
+        <p:cNvPr id="1" name=""/>
+        <p:cNvGrpSpPr/>
+        <p:nvPr/>
+      </p:nvGrpSpPr>
+      <p:grpSpPr>
+        <a:xfrm>
+          <a:off x="0" y="0"/>
+          <a:ext cx="0" cy="0"/>
+          <a:chOff x="0" y="0"/>
+          <a:chExt cx="0" cy="0"/>
+        </a:xfrm>
+      </p:grpSpPr>
+      <p:sp>
+        <p:nvSpPr>
+          <p:cNvPr id="2" name="Slide Image Placeholder 1"/>
+          <p:cNvSpPr>
+            <a:spLocks noGrp="1" noRot="1" noChangeAspect="1"/>
+          </p:cNvSpPr>
+          <p:nvPr>
+            <p:ph type="sldImg"/>
+          </p:nvPr>
+        </p:nvSpPr>
+        <p:spPr/>
+      </p:sp>
+      <p:sp>
+        <p:nvSpPr>
+          <p:cNvPr id="3" name="Notes Placeholder 2"/>
+          <p:cNvSpPr>
+            <a:spLocks noGrp="1"/>
+          </p:cNvSpPr>
+          <p:nvPr>
+            <p:ph type="body" idx="1"/>
+          </p:nvPr>
+        </p:nvSpPr>
+        <p:spPr/>
+        <p:txBody>
+          <a:bodyPr/>
+          <a:lstStyle/>
+          <a:p>
+            <a:r>
+              <a:rPr lang="en-US" dirty="0"/>
+              <a:t>Real world example : Repositories (90% code reuse), </a:t>
+            </a:r>
+            <a:r>
+              <a:rPr lang="en-US" dirty="0" err="1"/>
+              <a:t>UserContext</a:t>
+            </a:r>
+            <a:r>
+              <a:rPr lang="en-US" dirty="0"/>
+              <a:t> (Client, Broker, Admin)</a:t>
+            </a:r>
+          </a:p>
+          <a:p>
+            <a:r>
+              <a:rPr lang="en-US" dirty="0"/>
+              <a:t>Type Conversion : Work one way only.</a:t>
+            </a:r>
+          </a:p>
+        </p:txBody>
+      </p:sp>
+      <p:sp>
+        <p:nvSpPr>
+          <p:cNvPr id="4" name="Slide Number Placeholder 3"/>
+          <p:cNvSpPr>
+            <a:spLocks noGrp="1"/>
+          </p:cNvSpPr>
+          <p:nvPr>
+            <p:ph type="sldNum" sz="quarter" idx="5"/>
+          </p:nvPr>
+        </p:nvSpPr>
+        <p:spPr/>
+        <p:txBody>
+          <a:bodyPr/>
+          <a:lstStyle/>
+          <a:p>
+            <a:fld id="{EADE28B7-63E0-47DC-ACBD-09DE1EDC657F}" type="slidenum">
+              <a:rPr lang="en-US" smtClean="0"/>
+              <a:t>4</a:t>
+            </a:fld>
+            <a:endParaRPr lang="en-US"/>
+          </a:p>
+        </p:txBody>
+      </p:sp>
+    </p:spTree>
+    <p:extLst>
+      <p:ext uri="{BB962C8B-B14F-4D97-AF65-F5344CB8AC3E}">
+        <p14:creationId xmlns:p14="http://schemas.microsoft.com/office/powerpoint/2010/main" val="2150017585"/>
       </p:ext>
     </p:extLst>
   </p:cSld>
@@ -1233,7 +1414,7 @@
           <a:p>
             <a:fld id="{B10414CF-42F2-45D9-A54B-37400E893814}" type="datetimeFigureOut">
               <a:rPr lang="en-US" smtClean="0"/>
-              <a:t>5/4/2021</a:t>
+              <a:t>5/7/2021</a:t>
             </a:fld>
             <a:endParaRPr lang="en-US"/>
           </a:p>
@@ -1431,7 +1612,7 @@
           <a:p>
             <a:fld id="{B10414CF-42F2-45D9-A54B-37400E893814}" type="datetimeFigureOut">
               <a:rPr lang="en-US" smtClean="0"/>
-              <a:t>5/4/2021</a:t>
+              <a:t>5/7/2021</a:t>
             </a:fld>
             <a:endParaRPr lang="en-US"/>
           </a:p>
@@ -1639,7 +1820,7 @@
           <a:p>
             <a:fld id="{B10414CF-42F2-45D9-A54B-37400E893814}" type="datetimeFigureOut">
               <a:rPr lang="en-US" smtClean="0"/>
-              <a:t>5/4/2021</a:t>
+              <a:t>5/7/2021</a:t>
             </a:fld>
             <a:endParaRPr lang="en-US"/>
           </a:p>
@@ -1837,7 +2018,7 @@
           <a:p>
             <a:fld id="{B10414CF-42F2-45D9-A54B-37400E893814}" type="datetimeFigureOut">
               <a:rPr lang="en-US" smtClean="0"/>
-              <a:t>5/4/2021</a:t>
+              <a:t>5/7/2021</a:t>
             </a:fld>
             <a:endParaRPr lang="en-US"/>
           </a:p>
@@ -2112,7 +2293,7 @@
           <a:p>
             <a:fld id="{B10414CF-42F2-45D9-A54B-37400E893814}" type="datetimeFigureOut">
               <a:rPr lang="en-US" smtClean="0"/>
-              <a:t>5/4/2021</a:t>
+              <a:t>5/7/2021</a:t>
             </a:fld>
             <a:endParaRPr lang="en-US"/>
           </a:p>
@@ -2377,7 +2558,7 @@
           <a:p>
             <a:fld id="{B10414CF-42F2-45D9-A54B-37400E893814}" type="datetimeFigureOut">
               <a:rPr lang="en-US" smtClean="0"/>
-              <a:t>5/4/2021</a:t>
+              <a:t>5/7/2021</a:t>
             </a:fld>
             <a:endParaRPr lang="en-US"/>
           </a:p>
@@ -2789,7 +2970,7 @@
           <a:p>
             <a:fld id="{B10414CF-42F2-45D9-A54B-37400E893814}" type="datetimeFigureOut">
               <a:rPr lang="en-US" smtClean="0"/>
-              <a:t>5/4/2021</a:t>
+              <a:t>5/7/2021</a:t>
             </a:fld>
             <a:endParaRPr lang="en-US"/>
           </a:p>
@@ -2930,7 +3111,7 @@
           <a:p>
             <a:fld id="{B10414CF-42F2-45D9-A54B-37400E893814}" type="datetimeFigureOut">
               <a:rPr lang="en-US" smtClean="0"/>
-              <a:t>5/4/2021</a:t>
+              <a:t>5/7/2021</a:t>
             </a:fld>
             <a:endParaRPr lang="en-US"/>
           </a:p>
@@ -3043,7 +3224,7 @@
           <a:p>
             <a:fld id="{B10414CF-42F2-45D9-A54B-37400E893814}" type="datetimeFigureOut">
               <a:rPr lang="en-US" smtClean="0"/>
-              <a:t>5/4/2021</a:t>
+              <a:t>5/7/2021</a:t>
             </a:fld>
             <a:endParaRPr lang="en-US"/>
           </a:p>
@@ -3354,7 +3535,7 @@
           <a:p>
             <a:fld id="{B10414CF-42F2-45D9-A54B-37400E893814}" type="datetimeFigureOut">
               <a:rPr lang="en-US" smtClean="0"/>
-              <a:t>5/4/2021</a:t>
+              <a:t>5/7/2021</a:t>
             </a:fld>
             <a:endParaRPr lang="en-US"/>
           </a:p>
@@ -3642,7 +3823,7 @@
           <a:p>
             <a:fld id="{B10414CF-42F2-45D9-A54B-37400E893814}" type="datetimeFigureOut">
               <a:rPr lang="en-US" smtClean="0"/>
-              <a:t>5/4/2021</a:t>
+              <a:t>5/7/2021</a:t>
             </a:fld>
             <a:endParaRPr lang="en-US"/>
           </a:p>
@@ -3883,7 +4064,7 @@
           <a:p>
             <a:fld id="{B10414CF-42F2-45D9-A54B-37400E893814}" type="datetimeFigureOut">
               <a:rPr lang="en-US" smtClean="0"/>
-              <a:t>5/4/2021</a:t>
+              <a:t>5/7/2021</a:t>
             </a:fld>
             <a:endParaRPr lang="en-US"/>
           </a:p>
@@ -5211,11 +5392,11 @@
   <p:clrMapOvr>
     <a:overrideClrMapping bg1="dk1" tx1="lt1" bg2="dk2" tx2="lt2" accent1="accent1" accent2="accent2" accent3="accent3" accent4="accent4" accent5="accent5" accent6="accent6" hlink="hlink" folHlink="folHlink"/>
   </p:clrMapOvr>
-  <mc:AlternateContent xmlns:mc="http://schemas.openxmlformats.org/markup-compatibility/2006">
-    <mc:Choice xmlns:p14="http://schemas.microsoft.com/office/powerpoint/2010/main" Requires="p14">
+  <mc:AlternateContent xmlns:mc="http://schemas.openxmlformats.org/markup-compatibility/2006" xmlns:p14="http://schemas.microsoft.com/office/powerpoint/2010/main">
+    <mc:Choice Requires="p14">
       <p:transition p14:dur="10"/>
     </mc:Choice>
-    <mc:Fallback>
+    <mc:Fallback xmlns="">
       <p:transition/>
     </mc:Fallback>
   </mc:AlternateContent>
@@ -6599,6 +6780,1955 @@
   <p:clrMapOvr>
     <a:overrideClrMapping bg1="dk1" tx1="lt1" bg2="dk2" tx2="lt2" accent1="accent1" accent2="accent2" accent3="accent3" accent4="accent4" accent5="accent5" accent6="accent6" hlink="hlink" folHlink="folHlink"/>
   </p:clrMapOvr>
+  <mc:AlternateContent xmlns:mc="http://schemas.openxmlformats.org/markup-compatibility/2006" xmlns:p14="http://schemas.microsoft.com/office/powerpoint/2010/main">
+    <mc:Choice Requires="p14">
+      <p:transition p14:dur="10"/>
+    </mc:Choice>
+    <mc:Fallback xmlns="">
+      <p:transition/>
+    </mc:Fallback>
+  </mc:AlternateContent>
+  <p:timing>
+    <p:tnLst>
+      <p:par>
+        <p:cTn id="1" dur="indefinite" restart="never" nodeType="tmRoot">
+          <p:childTnLst>
+            <p:seq concurrent="1" nextAc="seek">
+              <p:cTn id="2" dur="indefinite" nodeType="mainSeq">
+                <p:childTnLst>
+                  <p:par>
+                    <p:cTn id="3" fill="hold">
+                      <p:stCondLst>
+                        <p:cond delay="indefinite"/>
+                        <p:cond evt="onBegin" delay="0">
+                          <p:tn val="2"/>
+                        </p:cond>
+                      </p:stCondLst>
+                      <p:childTnLst>
+                        <p:par>
+                          <p:cTn id="4" fill="hold">
+                            <p:stCondLst>
+                              <p:cond delay="0"/>
+                            </p:stCondLst>
+                            <p:childTnLst>
+                              <p:par>
+                                <p:cTn id="5" presetID="10" presetClass="entr" presetSubtype="0" fill="hold" nodeType="withEffect">
+                                  <p:stCondLst>
+                                    <p:cond delay="0"/>
+                                  </p:stCondLst>
+                                  <p:iterate>
+                                    <p:tmPct val="10000"/>
+                                  </p:iterate>
+                                  <p:childTnLst>
+                                    <p:set>
+                                      <p:cBhvr>
+                                        <p:cTn id="6" dur="1" fill="hold">
+                                          <p:stCondLst>
+                                            <p:cond delay="0"/>
+                                          </p:stCondLst>
+                                        </p:cTn>
+                                        <p:tgtEl>
+                                          <p:spTgt spid="7"/>
+                                        </p:tgtEl>
+                                        <p:attrNameLst>
+                                          <p:attrName>style.visibility</p:attrName>
+                                        </p:attrNameLst>
+                                      </p:cBhvr>
+                                      <p:to>
+                                        <p:strVal val="visible"/>
+                                      </p:to>
+                                    </p:set>
+                                    <p:animEffect transition="in" filter="fade">
+                                      <p:cBhvr>
+                                        <p:cTn id="7" dur="700"/>
+                                        <p:tgtEl>
+                                          <p:spTgt spid="7"/>
+                                        </p:tgtEl>
+                                      </p:cBhvr>
+                                    </p:animEffect>
+                                  </p:childTnLst>
+                                </p:cTn>
+                              </p:par>
+                            </p:childTnLst>
+                          </p:cTn>
+                        </p:par>
+                      </p:childTnLst>
+                    </p:cTn>
+                  </p:par>
+                  <p:par>
+                    <p:cTn id="8" fill="hold">
+                      <p:stCondLst>
+                        <p:cond delay="indefinite"/>
+                      </p:stCondLst>
+                      <p:childTnLst>
+                        <p:par>
+                          <p:cTn id="9" fill="hold">
+                            <p:stCondLst>
+                              <p:cond delay="0"/>
+                            </p:stCondLst>
+                            <p:childTnLst>
+                              <p:par>
+                                <p:cTn id="10" presetID="2" presetClass="entr" presetSubtype="4" fill="hold" grpId="0" nodeType="clickEffect">
+                                  <p:stCondLst>
+                                    <p:cond delay="0"/>
+                                  </p:stCondLst>
+                                  <p:childTnLst>
+                                    <p:set>
+                                      <p:cBhvr>
+                                        <p:cTn id="11" dur="1" fill="hold">
+                                          <p:stCondLst>
+                                            <p:cond delay="0"/>
+                                          </p:stCondLst>
+                                        </p:cTn>
+                                        <p:tgtEl>
+                                          <p:spTgt spid="18">
+                                            <p:txEl>
+                                              <p:pRg st="0" end="0"/>
+                                            </p:txEl>
+                                          </p:spTgt>
+                                        </p:tgtEl>
+                                        <p:attrNameLst>
+                                          <p:attrName>style.visibility</p:attrName>
+                                        </p:attrNameLst>
+                                      </p:cBhvr>
+                                      <p:to>
+                                        <p:strVal val="visible"/>
+                                      </p:to>
+                                    </p:set>
+                                    <p:anim calcmode="lin" valueType="num">
+                                      <p:cBhvr additive="base">
+                                        <p:cTn id="12" dur="500" fill="hold"/>
+                                        <p:tgtEl>
+                                          <p:spTgt spid="18">
+                                            <p:txEl>
+                                              <p:pRg st="0" end="0"/>
+                                            </p:txEl>
+                                          </p:spTgt>
+                                        </p:tgtEl>
+                                        <p:attrNameLst>
+                                          <p:attrName>ppt_x</p:attrName>
+                                        </p:attrNameLst>
+                                      </p:cBhvr>
+                                      <p:tavLst>
+                                        <p:tav tm="0">
+                                          <p:val>
+                                            <p:strVal val="#ppt_x"/>
+                                          </p:val>
+                                        </p:tav>
+                                        <p:tav tm="100000">
+                                          <p:val>
+                                            <p:strVal val="#ppt_x"/>
+                                          </p:val>
+                                        </p:tav>
+                                      </p:tavLst>
+                                    </p:anim>
+                                    <p:anim calcmode="lin" valueType="num">
+                                      <p:cBhvr additive="base">
+                                        <p:cTn id="13" dur="500" fill="hold"/>
+                                        <p:tgtEl>
+                                          <p:spTgt spid="18">
+                                            <p:txEl>
+                                              <p:pRg st="0" end="0"/>
+                                            </p:txEl>
+                                          </p:spTgt>
+                                        </p:tgtEl>
+                                        <p:attrNameLst>
+                                          <p:attrName>ppt_y</p:attrName>
+                                        </p:attrNameLst>
+                                      </p:cBhvr>
+                                      <p:tavLst>
+                                        <p:tav tm="0">
+                                          <p:val>
+                                            <p:strVal val="1+#ppt_h/2"/>
+                                          </p:val>
+                                        </p:tav>
+                                        <p:tav tm="100000">
+                                          <p:val>
+                                            <p:strVal val="#ppt_y"/>
+                                          </p:val>
+                                        </p:tav>
+                                      </p:tavLst>
+                                    </p:anim>
+                                  </p:childTnLst>
+                                </p:cTn>
+                              </p:par>
+                              <p:par>
+                                <p:cTn id="14" presetID="2" presetClass="entr" presetSubtype="4" fill="hold" grpId="0" nodeType="withEffect">
+                                  <p:stCondLst>
+                                    <p:cond delay="0"/>
+                                  </p:stCondLst>
+                                  <p:childTnLst>
+                                    <p:set>
+                                      <p:cBhvr>
+                                        <p:cTn id="15" dur="1" fill="hold">
+                                          <p:stCondLst>
+                                            <p:cond delay="0"/>
+                                          </p:stCondLst>
+                                        </p:cTn>
+                                        <p:tgtEl>
+                                          <p:spTgt spid="18">
+                                            <p:txEl>
+                                              <p:pRg st="2" end="2"/>
+                                            </p:txEl>
+                                          </p:spTgt>
+                                        </p:tgtEl>
+                                        <p:attrNameLst>
+                                          <p:attrName>style.visibility</p:attrName>
+                                        </p:attrNameLst>
+                                      </p:cBhvr>
+                                      <p:to>
+                                        <p:strVal val="visible"/>
+                                      </p:to>
+                                    </p:set>
+                                    <p:anim calcmode="lin" valueType="num">
+                                      <p:cBhvr additive="base">
+                                        <p:cTn id="16" dur="500" fill="hold"/>
+                                        <p:tgtEl>
+                                          <p:spTgt spid="18">
+                                            <p:txEl>
+                                              <p:pRg st="2" end="2"/>
+                                            </p:txEl>
+                                          </p:spTgt>
+                                        </p:tgtEl>
+                                        <p:attrNameLst>
+                                          <p:attrName>ppt_x</p:attrName>
+                                        </p:attrNameLst>
+                                      </p:cBhvr>
+                                      <p:tavLst>
+                                        <p:tav tm="0">
+                                          <p:val>
+                                            <p:strVal val="#ppt_x"/>
+                                          </p:val>
+                                        </p:tav>
+                                        <p:tav tm="100000">
+                                          <p:val>
+                                            <p:strVal val="#ppt_x"/>
+                                          </p:val>
+                                        </p:tav>
+                                      </p:tavLst>
+                                    </p:anim>
+                                    <p:anim calcmode="lin" valueType="num">
+                                      <p:cBhvr additive="base">
+                                        <p:cTn id="17" dur="500" fill="hold"/>
+                                        <p:tgtEl>
+                                          <p:spTgt spid="18">
+                                            <p:txEl>
+                                              <p:pRg st="2" end="2"/>
+                                            </p:txEl>
+                                          </p:spTgt>
+                                        </p:tgtEl>
+                                        <p:attrNameLst>
+                                          <p:attrName>ppt_y</p:attrName>
+                                        </p:attrNameLst>
+                                      </p:cBhvr>
+                                      <p:tavLst>
+                                        <p:tav tm="0">
+                                          <p:val>
+                                            <p:strVal val="1+#ppt_h/2"/>
+                                          </p:val>
+                                        </p:tav>
+                                        <p:tav tm="100000">
+                                          <p:val>
+                                            <p:strVal val="#ppt_y"/>
+                                          </p:val>
+                                        </p:tav>
+                                      </p:tavLst>
+                                    </p:anim>
+                                  </p:childTnLst>
+                                </p:cTn>
+                              </p:par>
+                              <p:par>
+                                <p:cTn id="18" presetID="2" presetClass="entr" presetSubtype="4" fill="hold" grpId="0" nodeType="withEffect">
+                                  <p:stCondLst>
+                                    <p:cond delay="0"/>
+                                  </p:stCondLst>
+                                  <p:childTnLst>
+                                    <p:set>
+                                      <p:cBhvr>
+                                        <p:cTn id="19" dur="1" fill="hold">
+                                          <p:stCondLst>
+                                            <p:cond delay="0"/>
+                                          </p:stCondLst>
+                                        </p:cTn>
+                                        <p:tgtEl>
+                                          <p:spTgt spid="18">
+                                            <p:txEl>
+                                              <p:pRg st="3" end="3"/>
+                                            </p:txEl>
+                                          </p:spTgt>
+                                        </p:tgtEl>
+                                        <p:attrNameLst>
+                                          <p:attrName>style.visibility</p:attrName>
+                                        </p:attrNameLst>
+                                      </p:cBhvr>
+                                      <p:to>
+                                        <p:strVal val="visible"/>
+                                      </p:to>
+                                    </p:set>
+                                    <p:anim calcmode="lin" valueType="num">
+                                      <p:cBhvr additive="base">
+                                        <p:cTn id="20" dur="500" fill="hold"/>
+                                        <p:tgtEl>
+                                          <p:spTgt spid="18">
+                                            <p:txEl>
+                                              <p:pRg st="3" end="3"/>
+                                            </p:txEl>
+                                          </p:spTgt>
+                                        </p:tgtEl>
+                                        <p:attrNameLst>
+                                          <p:attrName>ppt_x</p:attrName>
+                                        </p:attrNameLst>
+                                      </p:cBhvr>
+                                      <p:tavLst>
+                                        <p:tav tm="0">
+                                          <p:val>
+                                            <p:strVal val="#ppt_x"/>
+                                          </p:val>
+                                        </p:tav>
+                                        <p:tav tm="100000">
+                                          <p:val>
+                                            <p:strVal val="#ppt_x"/>
+                                          </p:val>
+                                        </p:tav>
+                                      </p:tavLst>
+                                    </p:anim>
+                                    <p:anim calcmode="lin" valueType="num">
+                                      <p:cBhvr additive="base">
+                                        <p:cTn id="21" dur="500" fill="hold"/>
+                                        <p:tgtEl>
+                                          <p:spTgt spid="18">
+                                            <p:txEl>
+                                              <p:pRg st="3" end="3"/>
+                                            </p:txEl>
+                                          </p:spTgt>
+                                        </p:tgtEl>
+                                        <p:attrNameLst>
+                                          <p:attrName>ppt_y</p:attrName>
+                                        </p:attrNameLst>
+                                      </p:cBhvr>
+                                      <p:tavLst>
+                                        <p:tav tm="0">
+                                          <p:val>
+                                            <p:strVal val="1+#ppt_h/2"/>
+                                          </p:val>
+                                        </p:tav>
+                                        <p:tav tm="100000">
+                                          <p:val>
+                                            <p:strVal val="#ppt_y"/>
+                                          </p:val>
+                                        </p:tav>
+                                      </p:tavLst>
+                                    </p:anim>
+                                  </p:childTnLst>
+                                </p:cTn>
+                              </p:par>
+                              <p:par>
+                                <p:cTn id="22" presetID="2" presetClass="entr" presetSubtype="4" fill="hold" grpId="0" nodeType="withEffect">
+                                  <p:stCondLst>
+                                    <p:cond delay="0"/>
+                                  </p:stCondLst>
+                                  <p:childTnLst>
+                                    <p:set>
+                                      <p:cBhvr>
+                                        <p:cTn id="23" dur="1" fill="hold">
+                                          <p:stCondLst>
+                                            <p:cond delay="0"/>
+                                          </p:stCondLst>
+                                        </p:cTn>
+                                        <p:tgtEl>
+                                          <p:spTgt spid="18">
+                                            <p:txEl>
+                                              <p:pRg st="4" end="4"/>
+                                            </p:txEl>
+                                          </p:spTgt>
+                                        </p:tgtEl>
+                                        <p:attrNameLst>
+                                          <p:attrName>style.visibility</p:attrName>
+                                        </p:attrNameLst>
+                                      </p:cBhvr>
+                                      <p:to>
+                                        <p:strVal val="visible"/>
+                                      </p:to>
+                                    </p:set>
+                                    <p:anim calcmode="lin" valueType="num">
+                                      <p:cBhvr additive="base">
+                                        <p:cTn id="24" dur="500" fill="hold"/>
+                                        <p:tgtEl>
+                                          <p:spTgt spid="18">
+                                            <p:txEl>
+                                              <p:pRg st="4" end="4"/>
+                                            </p:txEl>
+                                          </p:spTgt>
+                                        </p:tgtEl>
+                                        <p:attrNameLst>
+                                          <p:attrName>ppt_x</p:attrName>
+                                        </p:attrNameLst>
+                                      </p:cBhvr>
+                                      <p:tavLst>
+                                        <p:tav tm="0">
+                                          <p:val>
+                                            <p:strVal val="#ppt_x"/>
+                                          </p:val>
+                                        </p:tav>
+                                        <p:tav tm="100000">
+                                          <p:val>
+                                            <p:strVal val="#ppt_x"/>
+                                          </p:val>
+                                        </p:tav>
+                                      </p:tavLst>
+                                    </p:anim>
+                                    <p:anim calcmode="lin" valueType="num">
+                                      <p:cBhvr additive="base">
+                                        <p:cTn id="25" dur="500" fill="hold"/>
+                                        <p:tgtEl>
+                                          <p:spTgt spid="18">
+                                            <p:txEl>
+                                              <p:pRg st="4" end="4"/>
+                                            </p:txEl>
+                                          </p:spTgt>
+                                        </p:tgtEl>
+                                        <p:attrNameLst>
+                                          <p:attrName>ppt_y</p:attrName>
+                                        </p:attrNameLst>
+                                      </p:cBhvr>
+                                      <p:tavLst>
+                                        <p:tav tm="0">
+                                          <p:val>
+                                            <p:strVal val="1+#ppt_h/2"/>
+                                          </p:val>
+                                        </p:tav>
+                                        <p:tav tm="100000">
+                                          <p:val>
+                                            <p:strVal val="#ppt_y"/>
+                                          </p:val>
+                                        </p:tav>
+                                      </p:tavLst>
+                                    </p:anim>
+                                  </p:childTnLst>
+                                </p:cTn>
+                              </p:par>
+                              <p:par>
+                                <p:cTn id="26" presetID="2" presetClass="entr" presetSubtype="4" fill="hold" grpId="0" nodeType="withEffect">
+                                  <p:stCondLst>
+                                    <p:cond delay="0"/>
+                                  </p:stCondLst>
+                                  <p:childTnLst>
+                                    <p:set>
+                                      <p:cBhvr>
+                                        <p:cTn id="27" dur="1" fill="hold">
+                                          <p:stCondLst>
+                                            <p:cond delay="0"/>
+                                          </p:stCondLst>
+                                        </p:cTn>
+                                        <p:tgtEl>
+                                          <p:spTgt spid="18">
+                                            <p:txEl>
+                                              <p:pRg st="5" end="5"/>
+                                            </p:txEl>
+                                          </p:spTgt>
+                                        </p:tgtEl>
+                                        <p:attrNameLst>
+                                          <p:attrName>style.visibility</p:attrName>
+                                        </p:attrNameLst>
+                                      </p:cBhvr>
+                                      <p:to>
+                                        <p:strVal val="visible"/>
+                                      </p:to>
+                                    </p:set>
+                                    <p:anim calcmode="lin" valueType="num">
+                                      <p:cBhvr additive="base">
+                                        <p:cTn id="28" dur="500" fill="hold"/>
+                                        <p:tgtEl>
+                                          <p:spTgt spid="18">
+                                            <p:txEl>
+                                              <p:pRg st="5" end="5"/>
+                                            </p:txEl>
+                                          </p:spTgt>
+                                        </p:tgtEl>
+                                        <p:attrNameLst>
+                                          <p:attrName>ppt_x</p:attrName>
+                                        </p:attrNameLst>
+                                      </p:cBhvr>
+                                      <p:tavLst>
+                                        <p:tav tm="0">
+                                          <p:val>
+                                            <p:strVal val="#ppt_x"/>
+                                          </p:val>
+                                        </p:tav>
+                                        <p:tav tm="100000">
+                                          <p:val>
+                                            <p:strVal val="#ppt_x"/>
+                                          </p:val>
+                                        </p:tav>
+                                      </p:tavLst>
+                                    </p:anim>
+                                    <p:anim calcmode="lin" valueType="num">
+                                      <p:cBhvr additive="base">
+                                        <p:cTn id="29" dur="500" fill="hold"/>
+                                        <p:tgtEl>
+                                          <p:spTgt spid="18">
+                                            <p:txEl>
+                                              <p:pRg st="5" end="5"/>
+                                            </p:txEl>
+                                          </p:spTgt>
+                                        </p:tgtEl>
+                                        <p:attrNameLst>
+                                          <p:attrName>ppt_y</p:attrName>
+                                        </p:attrNameLst>
+                                      </p:cBhvr>
+                                      <p:tavLst>
+                                        <p:tav tm="0">
+                                          <p:val>
+                                            <p:strVal val="1+#ppt_h/2"/>
+                                          </p:val>
+                                        </p:tav>
+                                        <p:tav tm="100000">
+                                          <p:val>
+                                            <p:strVal val="#ppt_y"/>
+                                          </p:val>
+                                        </p:tav>
+                                      </p:tavLst>
+                                    </p:anim>
+                                  </p:childTnLst>
+                                </p:cTn>
+                              </p:par>
+                              <p:par>
+                                <p:cTn id="30" presetID="2" presetClass="entr" presetSubtype="4" fill="hold" grpId="0" nodeType="withEffect">
+                                  <p:stCondLst>
+                                    <p:cond delay="0"/>
+                                  </p:stCondLst>
+                                  <p:childTnLst>
+                                    <p:set>
+                                      <p:cBhvr>
+                                        <p:cTn id="31" dur="1" fill="hold">
+                                          <p:stCondLst>
+                                            <p:cond delay="0"/>
+                                          </p:stCondLst>
+                                        </p:cTn>
+                                        <p:tgtEl>
+                                          <p:spTgt spid="18">
+                                            <p:txEl>
+                                              <p:pRg st="6" end="6"/>
+                                            </p:txEl>
+                                          </p:spTgt>
+                                        </p:tgtEl>
+                                        <p:attrNameLst>
+                                          <p:attrName>style.visibility</p:attrName>
+                                        </p:attrNameLst>
+                                      </p:cBhvr>
+                                      <p:to>
+                                        <p:strVal val="visible"/>
+                                      </p:to>
+                                    </p:set>
+                                    <p:anim calcmode="lin" valueType="num">
+                                      <p:cBhvr additive="base">
+                                        <p:cTn id="32" dur="500" fill="hold"/>
+                                        <p:tgtEl>
+                                          <p:spTgt spid="18">
+                                            <p:txEl>
+                                              <p:pRg st="6" end="6"/>
+                                            </p:txEl>
+                                          </p:spTgt>
+                                        </p:tgtEl>
+                                        <p:attrNameLst>
+                                          <p:attrName>ppt_x</p:attrName>
+                                        </p:attrNameLst>
+                                      </p:cBhvr>
+                                      <p:tavLst>
+                                        <p:tav tm="0">
+                                          <p:val>
+                                            <p:strVal val="#ppt_x"/>
+                                          </p:val>
+                                        </p:tav>
+                                        <p:tav tm="100000">
+                                          <p:val>
+                                            <p:strVal val="#ppt_x"/>
+                                          </p:val>
+                                        </p:tav>
+                                      </p:tavLst>
+                                    </p:anim>
+                                    <p:anim calcmode="lin" valueType="num">
+                                      <p:cBhvr additive="base">
+                                        <p:cTn id="33" dur="500" fill="hold"/>
+                                        <p:tgtEl>
+                                          <p:spTgt spid="18">
+                                            <p:txEl>
+                                              <p:pRg st="6" end="6"/>
+                                            </p:txEl>
+                                          </p:spTgt>
+                                        </p:tgtEl>
+                                        <p:attrNameLst>
+                                          <p:attrName>ppt_y</p:attrName>
+                                        </p:attrNameLst>
+                                      </p:cBhvr>
+                                      <p:tavLst>
+                                        <p:tav tm="0">
+                                          <p:val>
+                                            <p:strVal val="1+#ppt_h/2"/>
+                                          </p:val>
+                                        </p:tav>
+                                        <p:tav tm="100000">
+                                          <p:val>
+                                            <p:strVal val="#ppt_y"/>
+                                          </p:val>
+                                        </p:tav>
+                                      </p:tavLst>
+                                    </p:anim>
+                                  </p:childTnLst>
+                                </p:cTn>
+                              </p:par>
+                              <p:par>
+                                <p:cTn id="34" presetID="2" presetClass="entr" presetSubtype="4" fill="hold" grpId="0" nodeType="withEffect">
+                                  <p:stCondLst>
+                                    <p:cond delay="0"/>
+                                  </p:stCondLst>
+                                  <p:childTnLst>
+                                    <p:set>
+                                      <p:cBhvr>
+                                        <p:cTn id="35" dur="1" fill="hold">
+                                          <p:stCondLst>
+                                            <p:cond delay="0"/>
+                                          </p:stCondLst>
+                                        </p:cTn>
+                                        <p:tgtEl>
+                                          <p:spTgt spid="18">
+                                            <p:txEl>
+                                              <p:pRg st="7" end="7"/>
+                                            </p:txEl>
+                                          </p:spTgt>
+                                        </p:tgtEl>
+                                        <p:attrNameLst>
+                                          <p:attrName>style.visibility</p:attrName>
+                                        </p:attrNameLst>
+                                      </p:cBhvr>
+                                      <p:to>
+                                        <p:strVal val="visible"/>
+                                      </p:to>
+                                    </p:set>
+                                    <p:anim calcmode="lin" valueType="num">
+                                      <p:cBhvr additive="base">
+                                        <p:cTn id="36" dur="500" fill="hold"/>
+                                        <p:tgtEl>
+                                          <p:spTgt spid="18">
+                                            <p:txEl>
+                                              <p:pRg st="7" end="7"/>
+                                            </p:txEl>
+                                          </p:spTgt>
+                                        </p:tgtEl>
+                                        <p:attrNameLst>
+                                          <p:attrName>ppt_x</p:attrName>
+                                        </p:attrNameLst>
+                                      </p:cBhvr>
+                                      <p:tavLst>
+                                        <p:tav tm="0">
+                                          <p:val>
+                                            <p:strVal val="#ppt_x"/>
+                                          </p:val>
+                                        </p:tav>
+                                        <p:tav tm="100000">
+                                          <p:val>
+                                            <p:strVal val="#ppt_x"/>
+                                          </p:val>
+                                        </p:tav>
+                                      </p:tavLst>
+                                    </p:anim>
+                                    <p:anim calcmode="lin" valueType="num">
+                                      <p:cBhvr additive="base">
+                                        <p:cTn id="37" dur="500" fill="hold"/>
+                                        <p:tgtEl>
+                                          <p:spTgt spid="18">
+                                            <p:txEl>
+                                              <p:pRg st="7" end="7"/>
+                                            </p:txEl>
+                                          </p:spTgt>
+                                        </p:tgtEl>
+                                        <p:attrNameLst>
+                                          <p:attrName>ppt_y</p:attrName>
+                                        </p:attrNameLst>
+                                      </p:cBhvr>
+                                      <p:tavLst>
+                                        <p:tav tm="0">
+                                          <p:val>
+                                            <p:strVal val="1+#ppt_h/2"/>
+                                          </p:val>
+                                        </p:tav>
+                                        <p:tav tm="100000">
+                                          <p:val>
+                                            <p:strVal val="#ppt_y"/>
+                                          </p:val>
+                                        </p:tav>
+                                      </p:tavLst>
+                                    </p:anim>
+                                  </p:childTnLst>
+                                </p:cTn>
+                              </p:par>
+                              <p:par>
+                                <p:cTn id="38" presetID="2" presetClass="entr" presetSubtype="4" fill="hold" grpId="0" nodeType="withEffect">
+                                  <p:stCondLst>
+                                    <p:cond delay="0"/>
+                                  </p:stCondLst>
+                                  <p:childTnLst>
+                                    <p:set>
+                                      <p:cBhvr>
+                                        <p:cTn id="39" dur="1" fill="hold">
+                                          <p:stCondLst>
+                                            <p:cond delay="0"/>
+                                          </p:stCondLst>
+                                        </p:cTn>
+                                        <p:tgtEl>
+                                          <p:spTgt spid="18">
+                                            <p:txEl>
+                                              <p:pRg st="8" end="8"/>
+                                            </p:txEl>
+                                          </p:spTgt>
+                                        </p:tgtEl>
+                                        <p:attrNameLst>
+                                          <p:attrName>style.visibility</p:attrName>
+                                        </p:attrNameLst>
+                                      </p:cBhvr>
+                                      <p:to>
+                                        <p:strVal val="visible"/>
+                                      </p:to>
+                                    </p:set>
+                                    <p:anim calcmode="lin" valueType="num">
+                                      <p:cBhvr additive="base">
+                                        <p:cTn id="40" dur="500" fill="hold"/>
+                                        <p:tgtEl>
+                                          <p:spTgt spid="18">
+                                            <p:txEl>
+                                              <p:pRg st="8" end="8"/>
+                                            </p:txEl>
+                                          </p:spTgt>
+                                        </p:tgtEl>
+                                        <p:attrNameLst>
+                                          <p:attrName>ppt_x</p:attrName>
+                                        </p:attrNameLst>
+                                      </p:cBhvr>
+                                      <p:tavLst>
+                                        <p:tav tm="0">
+                                          <p:val>
+                                            <p:strVal val="#ppt_x"/>
+                                          </p:val>
+                                        </p:tav>
+                                        <p:tav tm="100000">
+                                          <p:val>
+                                            <p:strVal val="#ppt_x"/>
+                                          </p:val>
+                                        </p:tav>
+                                      </p:tavLst>
+                                    </p:anim>
+                                    <p:anim calcmode="lin" valueType="num">
+                                      <p:cBhvr additive="base">
+                                        <p:cTn id="41" dur="500" fill="hold"/>
+                                        <p:tgtEl>
+                                          <p:spTgt spid="18">
+                                            <p:txEl>
+                                              <p:pRg st="8" end="8"/>
+                                            </p:txEl>
+                                          </p:spTgt>
+                                        </p:tgtEl>
+                                        <p:attrNameLst>
+                                          <p:attrName>ppt_y</p:attrName>
+                                        </p:attrNameLst>
+                                      </p:cBhvr>
+                                      <p:tavLst>
+                                        <p:tav tm="0">
+                                          <p:val>
+                                            <p:strVal val="1+#ppt_h/2"/>
+                                          </p:val>
+                                        </p:tav>
+                                        <p:tav tm="100000">
+                                          <p:val>
+                                            <p:strVal val="#ppt_y"/>
+                                          </p:val>
+                                        </p:tav>
+                                      </p:tavLst>
+                                    </p:anim>
+                                  </p:childTnLst>
+                                </p:cTn>
+                              </p:par>
+                              <p:par>
+                                <p:cTn id="42" presetID="2" presetClass="entr" presetSubtype="4" fill="hold" grpId="0" nodeType="withEffect">
+                                  <p:stCondLst>
+                                    <p:cond delay="0"/>
+                                  </p:stCondLst>
+                                  <p:childTnLst>
+                                    <p:set>
+                                      <p:cBhvr>
+                                        <p:cTn id="43" dur="1" fill="hold">
+                                          <p:stCondLst>
+                                            <p:cond delay="0"/>
+                                          </p:stCondLst>
+                                        </p:cTn>
+                                        <p:tgtEl>
+                                          <p:spTgt spid="18">
+                                            <p:txEl>
+                                              <p:pRg st="9" end="9"/>
+                                            </p:txEl>
+                                          </p:spTgt>
+                                        </p:tgtEl>
+                                        <p:attrNameLst>
+                                          <p:attrName>style.visibility</p:attrName>
+                                        </p:attrNameLst>
+                                      </p:cBhvr>
+                                      <p:to>
+                                        <p:strVal val="visible"/>
+                                      </p:to>
+                                    </p:set>
+                                    <p:anim calcmode="lin" valueType="num">
+                                      <p:cBhvr additive="base">
+                                        <p:cTn id="44" dur="500" fill="hold"/>
+                                        <p:tgtEl>
+                                          <p:spTgt spid="18">
+                                            <p:txEl>
+                                              <p:pRg st="9" end="9"/>
+                                            </p:txEl>
+                                          </p:spTgt>
+                                        </p:tgtEl>
+                                        <p:attrNameLst>
+                                          <p:attrName>ppt_x</p:attrName>
+                                        </p:attrNameLst>
+                                      </p:cBhvr>
+                                      <p:tavLst>
+                                        <p:tav tm="0">
+                                          <p:val>
+                                            <p:strVal val="#ppt_x"/>
+                                          </p:val>
+                                        </p:tav>
+                                        <p:tav tm="100000">
+                                          <p:val>
+                                            <p:strVal val="#ppt_x"/>
+                                          </p:val>
+                                        </p:tav>
+                                      </p:tavLst>
+                                    </p:anim>
+                                    <p:anim calcmode="lin" valueType="num">
+                                      <p:cBhvr additive="base">
+                                        <p:cTn id="45" dur="500" fill="hold"/>
+                                        <p:tgtEl>
+                                          <p:spTgt spid="18">
+                                            <p:txEl>
+                                              <p:pRg st="9" end="9"/>
+                                            </p:txEl>
+                                          </p:spTgt>
+                                        </p:tgtEl>
+                                        <p:attrNameLst>
+                                          <p:attrName>ppt_y</p:attrName>
+                                        </p:attrNameLst>
+                                      </p:cBhvr>
+                                      <p:tavLst>
+                                        <p:tav tm="0">
+                                          <p:val>
+                                            <p:strVal val="1+#ppt_h/2"/>
+                                          </p:val>
+                                        </p:tav>
+                                        <p:tav tm="100000">
+                                          <p:val>
+                                            <p:strVal val="#ppt_y"/>
+                                          </p:val>
+                                        </p:tav>
+                                      </p:tavLst>
+                                    </p:anim>
+                                  </p:childTnLst>
+                                </p:cTn>
+                              </p:par>
+                            </p:childTnLst>
+                          </p:cTn>
+                        </p:par>
+                      </p:childTnLst>
+                    </p:cTn>
+                  </p:par>
+                  <p:par>
+                    <p:cTn id="46" fill="hold">
+                      <p:stCondLst>
+                        <p:cond delay="indefinite"/>
+                      </p:stCondLst>
+                      <p:childTnLst>
+                        <p:par>
+                          <p:cTn id="47" fill="hold">
+                            <p:stCondLst>
+                              <p:cond delay="0"/>
+                            </p:stCondLst>
+                            <p:childTnLst>
+                              <p:par>
+                                <p:cTn id="48" presetID="2" presetClass="entr" presetSubtype="4" fill="hold" grpId="0" nodeType="clickEffect">
+                                  <p:stCondLst>
+                                    <p:cond delay="0"/>
+                                  </p:stCondLst>
+                                  <p:childTnLst>
+                                    <p:set>
+                                      <p:cBhvr>
+                                        <p:cTn id="49" dur="1" fill="hold">
+                                          <p:stCondLst>
+                                            <p:cond delay="0"/>
+                                          </p:stCondLst>
+                                        </p:cTn>
+                                        <p:tgtEl>
+                                          <p:spTgt spid="18">
+                                            <p:txEl>
+                                              <p:pRg st="10" end="10"/>
+                                            </p:txEl>
+                                          </p:spTgt>
+                                        </p:tgtEl>
+                                        <p:attrNameLst>
+                                          <p:attrName>style.visibility</p:attrName>
+                                        </p:attrNameLst>
+                                      </p:cBhvr>
+                                      <p:to>
+                                        <p:strVal val="visible"/>
+                                      </p:to>
+                                    </p:set>
+                                    <p:anim calcmode="lin" valueType="num">
+                                      <p:cBhvr additive="base">
+                                        <p:cTn id="50" dur="500" fill="hold"/>
+                                        <p:tgtEl>
+                                          <p:spTgt spid="18">
+                                            <p:txEl>
+                                              <p:pRg st="10" end="10"/>
+                                            </p:txEl>
+                                          </p:spTgt>
+                                        </p:tgtEl>
+                                        <p:attrNameLst>
+                                          <p:attrName>ppt_x</p:attrName>
+                                        </p:attrNameLst>
+                                      </p:cBhvr>
+                                      <p:tavLst>
+                                        <p:tav tm="0">
+                                          <p:val>
+                                            <p:strVal val="#ppt_x"/>
+                                          </p:val>
+                                        </p:tav>
+                                        <p:tav tm="100000">
+                                          <p:val>
+                                            <p:strVal val="#ppt_x"/>
+                                          </p:val>
+                                        </p:tav>
+                                      </p:tavLst>
+                                    </p:anim>
+                                    <p:anim calcmode="lin" valueType="num">
+                                      <p:cBhvr additive="base">
+                                        <p:cTn id="51" dur="500" fill="hold"/>
+                                        <p:tgtEl>
+                                          <p:spTgt spid="18">
+                                            <p:txEl>
+                                              <p:pRg st="10" end="10"/>
+                                            </p:txEl>
+                                          </p:spTgt>
+                                        </p:tgtEl>
+                                        <p:attrNameLst>
+                                          <p:attrName>ppt_y</p:attrName>
+                                        </p:attrNameLst>
+                                      </p:cBhvr>
+                                      <p:tavLst>
+                                        <p:tav tm="0">
+                                          <p:val>
+                                            <p:strVal val="1+#ppt_h/2"/>
+                                          </p:val>
+                                        </p:tav>
+                                        <p:tav tm="100000">
+                                          <p:val>
+                                            <p:strVal val="#ppt_y"/>
+                                          </p:val>
+                                        </p:tav>
+                                      </p:tavLst>
+                                    </p:anim>
+                                  </p:childTnLst>
+                                </p:cTn>
+                              </p:par>
+                              <p:par>
+                                <p:cTn id="52" presetID="2" presetClass="entr" presetSubtype="4" fill="hold" grpId="0" nodeType="withEffect">
+                                  <p:stCondLst>
+                                    <p:cond delay="0"/>
+                                  </p:stCondLst>
+                                  <p:childTnLst>
+                                    <p:set>
+                                      <p:cBhvr>
+                                        <p:cTn id="53" dur="1" fill="hold">
+                                          <p:stCondLst>
+                                            <p:cond delay="0"/>
+                                          </p:stCondLst>
+                                        </p:cTn>
+                                        <p:tgtEl>
+                                          <p:spTgt spid="18">
+                                            <p:txEl>
+                                              <p:pRg st="11" end="11"/>
+                                            </p:txEl>
+                                          </p:spTgt>
+                                        </p:tgtEl>
+                                        <p:attrNameLst>
+                                          <p:attrName>style.visibility</p:attrName>
+                                        </p:attrNameLst>
+                                      </p:cBhvr>
+                                      <p:to>
+                                        <p:strVal val="visible"/>
+                                      </p:to>
+                                    </p:set>
+                                    <p:anim calcmode="lin" valueType="num">
+                                      <p:cBhvr additive="base">
+                                        <p:cTn id="54" dur="500" fill="hold"/>
+                                        <p:tgtEl>
+                                          <p:spTgt spid="18">
+                                            <p:txEl>
+                                              <p:pRg st="11" end="11"/>
+                                            </p:txEl>
+                                          </p:spTgt>
+                                        </p:tgtEl>
+                                        <p:attrNameLst>
+                                          <p:attrName>ppt_x</p:attrName>
+                                        </p:attrNameLst>
+                                      </p:cBhvr>
+                                      <p:tavLst>
+                                        <p:tav tm="0">
+                                          <p:val>
+                                            <p:strVal val="#ppt_x"/>
+                                          </p:val>
+                                        </p:tav>
+                                        <p:tav tm="100000">
+                                          <p:val>
+                                            <p:strVal val="#ppt_x"/>
+                                          </p:val>
+                                        </p:tav>
+                                      </p:tavLst>
+                                    </p:anim>
+                                    <p:anim calcmode="lin" valueType="num">
+                                      <p:cBhvr additive="base">
+                                        <p:cTn id="55" dur="500" fill="hold"/>
+                                        <p:tgtEl>
+                                          <p:spTgt spid="18">
+                                            <p:txEl>
+                                              <p:pRg st="11" end="11"/>
+                                            </p:txEl>
+                                          </p:spTgt>
+                                        </p:tgtEl>
+                                        <p:attrNameLst>
+                                          <p:attrName>ppt_y</p:attrName>
+                                        </p:attrNameLst>
+                                      </p:cBhvr>
+                                      <p:tavLst>
+                                        <p:tav tm="0">
+                                          <p:val>
+                                            <p:strVal val="1+#ppt_h/2"/>
+                                          </p:val>
+                                        </p:tav>
+                                        <p:tav tm="100000">
+                                          <p:val>
+                                            <p:strVal val="#ppt_y"/>
+                                          </p:val>
+                                        </p:tav>
+                                      </p:tavLst>
+                                    </p:anim>
+                                  </p:childTnLst>
+                                </p:cTn>
+                              </p:par>
+                              <p:par>
+                                <p:cTn id="56" presetID="2" presetClass="entr" presetSubtype="4" fill="hold" grpId="0" nodeType="withEffect">
+                                  <p:stCondLst>
+                                    <p:cond delay="0"/>
+                                  </p:stCondLst>
+                                  <p:childTnLst>
+                                    <p:set>
+                                      <p:cBhvr>
+                                        <p:cTn id="57" dur="1" fill="hold">
+                                          <p:stCondLst>
+                                            <p:cond delay="0"/>
+                                          </p:stCondLst>
+                                        </p:cTn>
+                                        <p:tgtEl>
+                                          <p:spTgt spid="18">
+                                            <p:txEl>
+                                              <p:pRg st="12" end="12"/>
+                                            </p:txEl>
+                                          </p:spTgt>
+                                        </p:tgtEl>
+                                        <p:attrNameLst>
+                                          <p:attrName>style.visibility</p:attrName>
+                                        </p:attrNameLst>
+                                      </p:cBhvr>
+                                      <p:to>
+                                        <p:strVal val="visible"/>
+                                      </p:to>
+                                    </p:set>
+                                    <p:anim calcmode="lin" valueType="num">
+                                      <p:cBhvr additive="base">
+                                        <p:cTn id="58" dur="500" fill="hold"/>
+                                        <p:tgtEl>
+                                          <p:spTgt spid="18">
+                                            <p:txEl>
+                                              <p:pRg st="12" end="12"/>
+                                            </p:txEl>
+                                          </p:spTgt>
+                                        </p:tgtEl>
+                                        <p:attrNameLst>
+                                          <p:attrName>ppt_x</p:attrName>
+                                        </p:attrNameLst>
+                                      </p:cBhvr>
+                                      <p:tavLst>
+                                        <p:tav tm="0">
+                                          <p:val>
+                                            <p:strVal val="#ppt_x"/>
+                                          </p:val>
+                                        </p:tav>
+                                        <p:tav tm="100000">
+                                          <p:val>
+                                            <p:strVal val="#ppt_x"/>
+                                          </p:val>
+                                        </p:tav>
+                                      </p:tavLst>
+                                    </p:anim>
+                                    <p:anim calcmode="lin" valueType="num">
+                                      <p:cBhvr additive="base">
+                                        <p:cTn id="59" dur="500" fill="hold"/>
+                                        <p:tgtEl>
+                                          <p:spTgt spid="18">
+                                            <p:txEl>
+                                              <p:pRg st="12" end="12"/>
+                                            </p:txEl>
+                                          </p:spTgt>
+                                        </p:tgtEl>
+                                        <p:attrNameLst>
+                                          <p:attrName>ppt_y</p:attrName>
+                                        </p:attrNameLst>
+                                      </p:cBhvr>
+                                      <p:tavLst>
+                                        <p:tav tm="0">
+                                          <p:val>
+                                            <p:strVal val="1+#ppt_h/2"/>
+                                          </p:val>
+                                        </p:tav>
+                                        <p:tav tm="100000">
+                                          <p:val>
+                                            <p:strVal val="#ppt_y"/>
+                                          </p:val>
+                                        </p:tav>
+                                      </p:tavLst>
+                                    </p:anim>
+                                  </p:childTnLst>
+                                </p:cTn>
+                              </p:par>
+                              <p:par>
+                                <p:cTn id="60" presetID="2" presetClass="entr" presetSubtype="4" fill="hold" grpId="0" nodeType="withEffect">
+                                  <p:stCondLst>
+                                    <p:cond delay="0"/>
+                                  </p:stCondLst>
+                                  <p:childTnLst>
+                                    <p:set>
+                                      <p:cBhvr>
+                                        <p:cTn id="61" dur="1" fill="hold">
+                                          <p:stCondLst>
+                                            <p:cond delay="0"/>
+                                          </p:stCondLst>
+                                        </p:cTn>
+                                        <p:tgtEl>
+                                          <p:spTgt spid="18">
+                                            <p:txEl>
+                                              <p:pRg st="13" end="13"/>
+                                            </p:txEl>
+                                          </p:spTgt>
+                                        </p:tgtEl>
+                                        <p:attrNameLst>
+                                          <p:attrName>style.visibility</p:attrName>
+                                        </p:attrNameLst>
+                                      </p:cBhvr>
+                                      <p:to>
+                                        <p:strVal val="visible"/>
+                                      </p:to>
+                                    </p:set>
+                                    <p:anim calcmode="lin" valueType="num">
+                                      <p:cBhvr additive="base">
+                                        <p:cTn id="62" dur="500" fill="hold"/>
+                                        <p:tgtEl>
+                                          <p:spTgt spid="18">
+                                            <p:txEl>
+                                              <p:pRg st="13" end="13"/>
+                                            </p:txEl>
+                                          </p:spTgt>
+                                        </p:tgtEl>
+                                        <p:attrNameLst>
+                                          <p:attrName>ppt_x</p:attrName>
+                                        </p:attrNameLst>
+                                      </p:cBhvr>
+                                      <p:tavLst>
+                                        <p:tav tm="0">
+                                          <p:val>
+                                            <p:strVal val="#ppt_x"/>
+                                          </p:val>
+                                        </p:tav>
+                                        <p:tav tm="100000">
+                                          <p:val>
+                                            <p:strVal val="#ppt_x"/>
+                                          </p:val>
+                                        </p:tav>
+                                      </p:tavLst>
+                                    </p:anim>
+                                    <p:anim calcmode="lin" valueType="num">
+                                      <p:cBhvr additive="base">
+                                        <p:cTn id="63" dur="500" fill="hold"/>
+                                        <p:tgtEl>
+                                          <p:spTgt spid="18">
+                                            <p:txEl>
+                                              <p:pRg st="13" end="13"/>
+                                            </p:txEl>
+                                          </p:spTgt>
+                                        </p:tgtEl>
+                                        <p:attrNameLst>
+                                          <p:attrName>ppt_y</p:attrName>
+                                        </p:attrNameLst>
+                                      </p:cBhvr>
+                                      <p:tavLst>
+                                        <p:tav tm="0">
+                                          <p:val>
+                                            <p:strVal val="1+#ppt_h/2"/>
+                                          </p:val>
+                                        </p:tav>
+                                        <p:tav tm="100000">
+                                          <p:val>
+                                            <p:strVal val="#ppt_y"/>
+                                          </p:val>
+                                        </p:tav>
+                                      </p:tavLst>
+                                    </p:anim>
+                                  </p:childTnLst>
+                                </p:cTn>
+                              </p:par>
+                              <p:par>
+                                <p:cTn id="64" presetID="2" presetClass="entr" presetSubtype="4" fill="hold" grpId="0" nodeType="withEffect">
+                                  <p:stCondLst>
+                                    <p:cond delay="0"/>
+                                  </p:stCondLst>
+                                  <p:childTnLst>
+                                    <p:set>
+                                      <p:cBhvr>
+                                        <p:cTn id="65" dur="1" fill="hold">
+                                          <p:stCondLst>
+                                            <p:cond delay="0"/>
+                                          </p:stCondLst>
+                                        </p:cTn>
+                                        <p:tgtEl>
+                                          <p:spTgt spid="18">
+                                            <p:txEl>
+                                              <p:pRg st="14" end="14"/>
+                                            </p:txEl>
+                                          </p:spTgt>
+                                        </p:tgtEl>
+                                        <p:attrNameLst>
+                                          <p:attrName>style.visibility</p:attrName>
+                                        </p:attrNameLst>
+                                      </p:cBhvr>
+                                      <p:to>
+                                        <p:strVal val="visible"/>
+                                      </p:to>
+                                    </p:set>
+                                    <p:anim calcmode="lin" valueType="num">
+                                      <p:cBhvr additive="base">
+                                        <p:cTn id="66" dur="500" fill="hold"/>
+                                        <p:tgtEl>
+                                          <p:spTgt spid="18">
+                                            <p:txEl>
+                                              <p:pRg st="14" end="14"/>
+                                            </p:txEl>
+                                          </p:spTgt>
+                                        </p:tgtEl>
+                                        <p:attrNameLst>
+                                          <p:attrName>ppt_x</p:attrName>
+                                        </p:attrNameLst>
+                                      </p:cBhvr>
+                                      <p:tavLst>
+                                        <p:tav tm="0">
+                                          <p:val>
+                                            <p:strVal val="#ppt_x"/>
+                                          </p:val>
+                                        </p:tav>
+                                        <p:tav tm="100000">
+                                          <p:val>
+                                            <p:strVal val="#ppt_x"/>
+                                          </p:val>
+                                        </p:tav>
+                                      </p:tavLst>
+                                    </p:anim>
+                                    <p:anim calcmode="lin" valueType="num">
+                                      <p:cBhvr additive="base">
+                                        <p:cTn id="67" dur="500" fill="hold"/>
+                                        <p:tgtEl>
+                                          <p:spTgt spid="18">
+                                            <p:txEl>
+                                              <p:pRg st="14" end="14"/>
+                                            </p:txEl>
+                                          </p:spTgt>
+                                        </p:tgtEl>
+                                        <p:attrNameLst>
+                                          <p:attrName>ppt_y</p:attrName>
+                                        </p:attrNameLst>
+                                      </p:cBhvr>
+                                      <p:tavLst>
+                                        <p:tav tm="0">
+                                          <p:val>
+                                            <p:strVal val="1+#ppt_h/2"/>
+                                          </p:val>
+                                        </p:tav>
+                                        <p:tav tm="100000">
+                                          <p:val>
+                                            <p:strVal val="#ppt_y"/>
+                                          </p:val>
+                                        </p:tav>
+                                      </p:tavLst>
+                                    </p:anim>
+                                  </p:childTnLst>
+                                </p:cTn>
+                              </p:par>
+                              <p:par>
+                                <p:cTn id="68" presetID="2" presetClass="entr" presetSubtype="4" fill="hold" grpId="0" nodeType="withEffect">
+                                  <p:stCondLst>
+                                    <p:cond delay="0"/>
+                                  </p:stCondLst>
+                                  <p:childTnLst>
+                                    <p:set>
+                                      <p:cBhvr>
+                                        <p:cTn id="69" dur="1" fill="hold">
+                                          <p:stCondLst>
+                                            <p:cond delay="0"/>
+                                          </p:stCondLst>
+                                        </p:cTn>
+                                        <p:tgtEl>
+                                          <p:spTgt spid="18">
+                                            <p:txEl>
+                                              <p:pRg st="15" end="15"/>
+                                            </p:txEl>
+                                          </p:spTgt>
+                                        </p:tgtEl>
+                                        <p:attrNameLst>
+                                          <p:attrName>style.visibility</p:attrName>
+                                        </p:attrNameLst>
+                                      </p:cBhvr>
+                                      <p:to>
+                                        <p:strVal val="visible"/>
+                                      </p:to>
+                                    </p:set>
+                                    <p:anim calcmode="lin" valueType="num">
+                                      <p:cBhvr additive="base">
+                                        <p:cTn id="70" dur="500" fill="hold"/>
+                                        <p:tgtEl>
+                                          <p:spTgt spid="18">
+                                            <p:txEl>
+                                              <p:pRg st="15" end="15"/>
+                                            </p:txEl>
+                                          </p:spTgt>
+                                        </p:tgtEl>
+                                        <p:attrNameLst>
+                                          <p:attrName>ppt_x</p:attrName>
+                                        </p:attrNameLst>
+                                      </p:cBhvr>
+                                      <p:tavLst>
+                                        <p:tav tm="0">
+                                          <p:val>
+                                            <p:strVal val="#ppt_x"/>
+                                          </p:val>
+                                        </p:tav>
+                                        <p:tav tm="100000">
+                                          <p:val>
+                                            <p:strVal val="#ppt_x"/>
+                                          </p:val>
+                                        </p:tav>
+                                      </p:tavLst>
+                                    </p:anim>
+                                    <p:anim calcmode="lin" valueType="num">
+                                      <p:cBhvr additive="base">
+                                        <p:cTn id="71" dur="500" fill="hold"/>
+                                        <p:tgtEl>
+                                          <p:spTgt spid="18">
+                                            <p:txEl>
+                                              <p:pRg st="15" end="15"/>
+                                            </p:txEl>
+                                          </p:spTgt>
+                                        </p:tgtEl>
+                                        <p:attrNameLst>
+                                          <p:attrName>ppt_y</p:attrName>
+                                        </p:attrNameLst>
+                                      </p:cBhvr>
+                                      <p:tavLst>
+                                        <p:tav tm="0">
+                                          <p:val>
+                                            <p:strVal val="1+#ppt_h/2"/>
+                                          </p:val>
+                                        </p:tav>
+                                        <p:tav tm="100000">
+                                          <p:val>
+                                            <p:strVal val="#ppt_y"/>
+                                          </p:val>
+                                        </p:tav>
+                                      </p:tavLst>
+                                    </p:anim>
+                                  </p:childTnLst>
+                                </p:cTn>
+                              </p:par>
+                              <p:par>
+                                <p:cTn id="72" presetID="2" presetClass="entr" presetSubtype="4" fill="hold" grpId="0" nodeType="withEffect">
+                                  <p:stCondLst>
+                                    <p:cond delay="0"/>
+                                  </p:stCondLst>
+                                  <p:childTnLst>
+                                    <p:set>
+                                      <p:cBhvr>
+                                        <p:cTn id="73" dur="1" fill="hold">
+                                          <p:stCondLst>
+                                            <p:cond delay="0"/>
+                                          </p:stCondLst>
+                                        </p:cTn>
+                                        <p:tgtEl>
+                                          <p:spTgt spid="18">
+                                            <p:txEl>
+                                              <p:pRg st="16" end="16"/>
+                                            </p:txEl>
+                                          </p:spTgt>
+                                        </p:tgtEl>
+                                        <p:attrNameLst>
+                                          <p:attrName>style.visibility</p:attrName>
+                                        </p:attrNameLst>
+                                      </p:cBhvr>
+                                      <p:to>
+                                        <p:strVal val="visible"/>
+                                      </p:to>
+                                    </p:set>
+                                    <p:anim calcmode="lin" valueType="num">
+                                      <p:cBhvr additive="base">
+                                        <p:cTn id="74" dur="500" fill="hold"/>
+                                        <p:tgtEl>
+                                          <p:spTgt spid="18">
+                                            <p:txEl>
+                                              <p:pRg st="16" end="16"/>
+                                            </p:txEl>
+                                          </p:spTgt>
+                                        </p:tgtEl>
+                                        <p:attrNameLst>
+                                          <p:attrName>ppt_x</p:attrName>
+                                        </p:attrNameLst>
+                                      </p:cBhvr>
+                                      <p:tavLst>
+                                        <p:tav tm="0">
+                                          <p:val>
+                                            <p:strVal val="#ppt_x"/>
+                                          </p:val>
+                                        </p:tav>
+                                        <p:tav tm="100000">
+                                          <p:val>
+                                            <p:strVal val="#ppt_x"/>
+                                          </p:val>
+                                        </p:tav>
+                                      </p:tavLst>
+                                    </p:anim>
+                                    <p:anim calcmode="lin" valueType="num">
+                                      <p:cBhvr additive="base">
+                                        <p:cTn id="75" dur="500" fill="hold"/>
+                                        <p:tgtEl>
+                                          <p:spTgt spid="18">
+                                            <p:txEl>
+                                              <p:pRg st="16" end="16"/>
+                                            </p:txEl>
+                                          </p:spTgt>
+                                        </p:tgtEl>
+                                        <p:attrNameLst>
+                                          <p:attrName>ppt_y</p:attrName>
+                                        </p:attrNameLst>
+                                      </p:cBhvr>
+                                      <p:tavLst>
+                                        <p:tav tm="0">
+                                          <p:val>
+                                            <p:strVal val="1+#ppt_h/2"/>
+                                          </p:val>
+                                        </p:tav>
+                                        <p:tav tm="100000">
+                                          <p:val>
+                                            <p:strVal val="#ppt_y"/>
+                                          </p:val>
+                                        </p:tav>
+                                      </p:tavLst>
+                                    </p:anim>
+                                  </p:childTnLst>
+                                </p:cTn>
+                              </p:par>
+                            </p:childTnLst>
+                          </p:cTn>
+                        </p:par>
+                      </p:childTnLst>
+                    </p:cTn>
+                  </p:par>
+                </p:childTnLst>
+              </p:cTn>
+              <p:prevCondLst>
+                <p:cond evt="onPrev" delay="0">
+                  <p:tgtEl>
+                    <p:sldTgt/>
+                  </p:tgtEl>
+                </p:cond>
+              </p:prevCondLst>
+              <p:nextCondLst>
+                <p:cond evt="onNext" delay="0">
+                  <p:tgtEl>
+                    <p:sldTgt/>
+                  </p:tgtEl>
+                </p:cond>
+              </p:nextCondLst>
+            </p:seq>
+          </p:childTnLst>
+        </p:cTn>
+      </p:par>
+    </p:tnLst>
+    <p:bldLst>
+      <p:bldP spid="18" grpId="0" uiExpand="1" build="p"/>
+    </p:bldLst>
+  </p:timing>
+</p:sld>
+</file>
+
+<file path=ppt/slides/slide4.xml><?xml version="1.0" encoding="utf-8"?>
+<p:sld xmlns:a="http://schemas.openxmlformats.org/drawingml/2006/main" xmlns:r="http://schemas.openxmlformats.org/officeDocument/2006/relationships" xmlns:p="http://schemas.openxmlformats.org/presentationml/2006/main">
+  <p:cSld>
+    <p:bg>
+      <p:bgPr>
+        <a:solidFill>
+          <a:srgbClr val="000000"/>
+        </a:solidFill>
+        <a:effectLst/>
+      </p:bgPr>
+    </p:bg>
+    <p:spTree>
+      <p:nvGrpSpPr>
+        <p:cNvPr id="1" name=""/>
+        <p:cNvGrpSpPr/>
+        <p:nvPr/>
+      </p:nvGrpSpPr>
+      <p:grpSpPr>
+        <a:xfrm>
+          <a:off x="0" y="0"/>
+          <a:ext cx="0" cy="0"/>
+          <a:chOff x="0" y="0"/>
+          <a:chExt cx="0" cy="0"/>
+        </a:xfrm>
+      </p:grpSpPr>
+      <p:pic>
+        <p:nvPicPr>
+          <p:cNvPr id="7" name="Picture 6" descr="A picture containing indoor, wooden, fruit, wood&#10;&#10;Description automatically generated">
+            <a:extLst>
+              <a:ext uri="{FF2B5EF4-FFF2-40B4-BE49-F238E27FC236}">
+                <a16:creationId xmlns:a16="http://schemas.microsoft.com/office/drawing/2014/main" id="{72212B6C-C6AE-4900-8EB9-78D98434830F}"/>
+              </a:ext>
+            </a:extLst>
+          </p:cNvPr>
+          <p:cNvPicPr>
+            <a:picLocks noChangeAspect="1"/>
+          </p:cNvPicPr>
+          <p:nvPr/>
+        </p:nvPicPr>
+        <p:blipFill rotWithShape="1">
+          <a:blip r:embed="rId3">
+            <a:alphaModFix amt="50000"/>
+            <a:extLst>
+              <a:ext uri="{28A0092B-C50C-407E-A947-70E740481C1C}">
+                <a14:useLocalDpi xmlns:a14="http://schemas.microsoft.com/office/drawing/2010/main" val="0"/>
+              </a:ext>
+            </a:extLst>
+          </a:blip>
+          <a:srcRect l="14281" r="43532"/>
+          <a:stretch/>
+        </p:blipFill>
+        <p:spPr>
+          <a:xfrm rot="5400000">
+            <a:off x="2667000" y="-2666999"/>
+            <a:ext cx="6857999" cy="12192000"/>
+          </a:xfrm>
+          <a:prstGeom prst="rect">
+            <a:avLst/>
+          </a:prstGeom>
+        </p:spPr>
+      </p:pic>
+      <p:sp>
+        <p:nvSpPr>
+          <p:cNvPr id="15" name="Title 1">
+            <a:extLst>
+              <a:ext uri="{FF2B5EF4-FFF2-40B4-BE49-F238E27FC236}">
+                <a16:creationId xmlns:a16="http://schemas.microsoft.com/office/drawing/2014/main" id="{26AAF5EA-26AA-4266-8ACC-92A6305F6A5A}"/>
+              </a:ext>
+            </a:extLst>
+          </p:cNvPr>
+          <p:cNvSpPr>
+            <a:spLocks noGrp="1"/>
+          </p:cNvSpPr>
+          <p:nvPr>
+            <p:ph type="title"/>
+          </p:nvPr>
+        </p:nvSpPr>
+        <p:spPr/>
+        <p:txBody>
+          <a:bodyPr/>
+          <a:lstStyle/>
+          <a:p>
+            <a:r>
+              <a:rPr lang="en-US" dirty="0"/>
+              <a:t>Casting</a:t>
+            </a:r>
+          </a:p>
+        </p:txBody>
+      </p:sp>
+      <p:sp>
+        <p:nvSpPr>
+          <p:cNvPr id="4" name="Text Placeholder 3">
+            <a:extLst>
+              <a:ext uri="{FF2B5EF4-FFF2-40B4-BE49-F238E27FC236}">
+                <a16:creationId xmlns:a16="http://schemas.microsoft.com/office/drawing/2014/main" id="{1E1B6101-391A-465A-9EE2-397E695ADFDE}"/>
+              </a:ext>
+            </a:extLst>
+          </p:cNvPr>
+          <p:cNvSpPr>
+            <a:spLocks noGrp="1"/>
+          </p:cNvSpPr>
+          <p:nvPr>
+            <p:ph sz="half" idx="1"/>
+          </p:nvPr>
+        </p:nvSpPr>
+        <p:spPr/>
+        <p:txBody>
+          <a:bodyPr>
+            <a:normAutofit lnSpcReduction="10000"/>
+          </a:bodyPr>
+          <a:lstStyle/>
+          <a:p>
+            <a:pPr marL="0" indent="0">
+              <a:buNone/>
+            </a:pPr>
+            <a:r>
+              <a:rPr lang="en-US" dirty="0"/>
+              <a:t>Casting is the act of transforming an object into another type or in it interface.</a:t>
+            </a:r>
+          </a:p>
+          <a:p>
+            <a:pPr marL="0" indent="0">
+              <a:buNone/>
+            </a:pPr>
+            <a:endParaRPr lang="en-US" dirty="0"/>
+          </a:p>
+          <a:p>
+            <a:pPr marL="0" indent="0">
+              <a:buNone/>
+            </a:pPr>
+            <a:r>
+              <a:rPr lang="en-US" dirty="0"/>
+              <a:t>Uses:</a:t>
+            </a:r>
+          </a:p>
+          <a:p>
+            <a:r>
+              <a:rPr lang="en-US" dirty="0"/>
+              <a:t>Abstracting implementation details or the opposite</a:t>
+            </a:r>
+          </a:p>
+          <a:p>
+            <a:r>
+              <a:rPr lang="en-US" dirty="0"/>
+              <a:t>Type conversion (i.e. int into long)</a:t>
+            </a:r>
+          </a:p>
+        </p:txBody>
+      </p:sp>
+      <p:sp>
+        <p:nvSpPr>
+          <p:cNvPr id="14" name="Text Placeholder 3">
+            <a:extLst>
+              <a:ext uri="{FF2B5EF4-FFF2-40B4-BE49-F238E27FC236}">
+                <a16:creationId xmlns:a16="http://schemas.microsoft.com/office/drawing/2014/main" id="{F89B6697-E65C-4E5E-86AC-6F84D080A021}"/>
+              </a:ext>
+            </a:extLst>
+          </p:cNvPr>
+          <p:cNvSpPr txBox="1">
+            <a:spLocks/>
+          </p:cNvSpPr>
+          <p:nvPr/>
+        </p:nvSpPr>
+        <p:spPr>
+          <a:xfrm>
+            <a:off x="838307" y="2057400"/>
+            <a:ext cx="3932237" cy="3811588"/>
+          </a:xfrm>
+          <a:prstGeom prst="rect">
+            <a:avLst/>
+          </a:prstGeom>
+        </p:spPr>
+        <p:txBody>
+          <a:bodyPr vert="horz" lIns="91440" tIns="45720" rIns="91440" bIns="45720" rtlCol="0">
+            <a:normAutofit/>
+          </a:bodyPr>
+          <a:lstStyle>
+            <a:lvl1pPr marL="0" indent="0" algn="l" defTabSz="914400" rtl="0" eaLnBrk="1" latinLnBrk="0" hangingPunct="1">
+              <a:lnSpc>
+                <a:spcPct val="90000"/>
+              </a:lnSpc>
+              <a:spcBef>
+                <a:spcPts val="1000"/>
+              </a:spcBef>
+              <a:buFont typeface="Arial" panose="020B0604020202020204" pitchFamily="34" charset="0"/>
+              <a:buNone/>
+              <a:defRPr sz="1600" kern="1200">
+                <a:solidFill>
+                  <a:schemeClr val="tx1"/>
+                </a:solidFill>
+                <a:latin typeface="+mn-lt"/>
+                <a:ea typeface="+mn-ea"/>
+                <a:cs typeface="+mn-cs"/>
+              </a:defRPr>
+            </a:lvl1pPr>
+            <a:lvl2pPr marL="457200" indent="0" algn="l" defTabSz="914400" rtl="0" eaLnBrk="1" latinLnBrk="0" hangingPunct="1">
+              <a:lnSpc>
+                <a:spcPct val="90000"/>
+              </a:lnSpc>
+              <a:spcBef>
+                <a:spcPts val="500"/>
+              </a:spcBef>
+              <a:buFont typeface="Arial" panose="020B0604020202020204" pitchFamily="34" charset="0"/>
+              <a:buNone/>
+              <a:defRPr sz="1400" kern="1200">
+                <a:solidFill>
+                  <a:schemeClr val="tx1"/>
+                </a:solidFill>
+                <a:latin typeface="+mn-lt"/>
+                <a:ea typeface="+mn-ea"/>
+                <a:cs typeface="+mn-cs"/>
+              </a:defRPr>
+            </a:lvl2pPr>
+            <a:lvl3pPr marL="914400" indent="0" algn="l" defTabSz="914400" rtl="0" eaLnBrk="1" latinLnBrk="0" hangingPunct="1">
+              <a:lnSpc>
+                <a:spcPct val="90000"/>
+              </a:lnSpc>
+              <a:spcBef>
+                <a:spcPts val="500"/>
+              </a:spcBef>
+              <a:buFont typeface="Arial" panose="020B0604020202020204" pitchFamily="34" charset="0"/>
+              <a:buNone/>
+              <a:defRPr sz="1200" kern="1200">
+                <a:solidFill>
+                  <a:schemeClr val="tx1"/>
+                </a:solidFill>
+                <a:latin typeface="+mn-lt"/>
+                <a:ea typeface="+mn-ea"/>
+                <a:cs typeface="+mn-cs"/>
+              </a:defRPr>
+            </a:lvl3pPr>
+            <a:lvl4pPr marL="1371600" indent="0" algn="l" defTabSz="914400" rtl="0" eaLnBrk="1" latinLnBrk="0" hangingPunct="1">
+              <a:lnSpc>
+                <a:spcPct val="90000"/>
+              </a:lnSpc>
+              <a:spcBef>
+                <a:spcPts val="500"/>
+              </a:spcBef>
+              <a:buFont typeface="Arial" panose="020B0604020202020204" pitchFamily="34" charset="0"/>
+              <a:buNone/>
+              <a:defRPr sz="1000" kern="1200">
+                <a:solidFill>
+                  <a:schemeClr val="tx1"/>
+                </a:solidFill>
+                <a:latin typeface="+mn-lt"/>
+                <a:ea typeface="+mn-ea"/>
+                <a:cs typeface="+mn-cs"/>
+              </a:defRPr>
+            </a:lvl4pPr>
+            <a:lvl5pPr marL="1828800" indent="0" algn="l" defTabSz="914400" rtl="0" eaLnBrk="1" latinLnBrk="0" hangingPunct="1">
+              <a:lnSpc>
+                <a:spcPct val="90000"/>
+              </a:lnSpc>
+              <a:spcBef>
+                <a:spcPts val="500"/>
+              </a:spcBef>
+              <a:buFont typeface="Arial" panose="020B0604020202020204" pitchFamily="34" charset="0"/>
+              <a:buNone/>
+              <a:defRPr sz="1000" kern="1200">
+                <a:solidFill>
+                  <a:schemeClr val="tx1"/>
+                </a:solidFill>
+                <a:latin typeface="+mn-lt"/>
+                <a:ea typeface="+mn-ea"/>
+                <a:cs typeface="+mn-cs"/>
+              </a:defRPr>
+            </a:lvl5pPr>
+            <a:lvl6pPr marL="2286000" indent="0" algn="l" defTabSz="914400" rtl="0" eaLnBrk="1" latinLnBrk="0" hangingPunct="1">
+              <a:lnSpc>
+                <a:spcPct val="90000"/>
+              </a:lnSpc>
+              <a:spcBef>
+                <a:spcPts val="500"/>
+              </a:spcBef>
+              <a:buFont typeface="Arial" panose="020B0604020202020204" pitchFamily="34" charset="0"/>
+              <a:buNone/>
+              <a:defRPr sz="1000" kern="1200">
+                <a:solidFill>
+                  <a:schemeClr val="tx1"/>
+                </a:solidFill>
+                <a:latin typeface="+mn-lt"/>
+                <a:ea typeface="+mn-ea"/>
+                <a:cs typeface="+mn-cs"/>
+              </a:defRPr>
+            </a:lvl6pPr>
+            <a:lvl7pPr marL="2743200" indent="0" algn="l" defTabSz="914400" rtl="0" eaLnBrk="1" latinLnBrk="0" hangingPunct="1">
+              <a:lnSpc>
+                <a:spcPct val="90000"/>
+              </a:lnSpc>
+              <a:spcBef>
+                <a:spcPts val="500"/>
+              </a:spcBef>
+              <a:buFont typeface="Arial" panose="020B0604020202020204" pitchFamily="34" charset="0"/>
+              <a:buNone/>
+              <a:defRPr sz="1000" kern="1200">
+                <a:solidFill>
+                  <a:schemeClr val="tx1"/>
+                </a:solidFill>
+                <a:latin typeface="+mn-lt"/>
+                <a:ea typeface="+mn-ea"/>
+                <a:cs typeface="+mn-cs"/>
+              </a:defRPr>
+            </a:lvl7pPr>
+            <a:lvl8pPr marL="3200400" indent="0" algn="l" defTabSz="914400" rtl="0" eaLnBrk="1" latinLnBrk="0" hangingPunct="1">
+              <a:lnSpc>
+                <a:spcPct val="90000"/>
+              </a:lnSpc>
+              <a:spcBef>
+                <a:spcPts val="500"/>
+              </a:spcBef>
+              <a:buFont typeface="Arial" panose="020B0604020202020204" pitchFamily="34" charset="0"/>
+              <a:buNone/>
+              <a:defRPr sz="1000" kern="1200">
+                <a:solidFill>
+                  <a:schemeClr val="tx1"/>
+                </a:solidFill>
+                <a:latin typeface="+mn-lt"/>
+                <a:ea typeface="+mn-ea"/>
+                <a:cs typeface="+mn-cs"/>
+              </a:defRPr>
+            </a:lvl8pPr>
+            <a:lvl9pPr marL="3657600" indent="0" algn="l" defTabSz="914400" rtl="0" eaLnBrk="1" latinLnBrk="0" hangingPunct="1">
+              <a:lnSpc>
+                <a:spcPct val="90000"/>
+              </a:lnSpc>
+              <a:spcBef>
+                <a:spcPts val="500"/>
+              </a:spcBef>
+              <a:buFont typeface="Arial" panose="020B0604020202020204" pitchFamily="34" charset="0"/>
+              <a:buNone/>
+              <a:defRPr sz="1000" kern="1200">
+                <a:solidFill>
+                  <a:schemeClr val="tx1"/>
+                </a:solidFill>
+                <a:latin typeface="+mn-lt"/>
+                <a:ea typeface="+mn-ea"/>
+                <a:cs typeface="+mn-cs"/>
+              </a:defRPr>
+            </a:lvl9pPr>
+          </a:lstStyle>
+          <a:p>
+            <a:endParaRPr lang="en-US" dirty="0"/>
+          </a:p>
+        </p:txBody>
+      </p:sp>
+      <p:sp>
+        <p:nvSpPr>
+          <p:cNvPr id="3" name="Content Placeholder 2">
+            <a:extLst>
+              <a:ext uri="{FF2B5EF4-FFF2-40B4-BE49-F238E27FC236}">
+                <a16:creationId xmlns:a16="http://schemas.microsoft.com/office/drawing/2014/main" id="{94C1F62D-3073-4CD4-97D7-3B83FD97DE5E}"/>
+              </a:ext>
+            </a:extLst>
+          </p:cNvPr>
+          <p:cNvSpPr>
+            <a:spLocks noGrp="1"/>
+          </p:cNvSpPr>
+          <p:nvPr>
+            <p:ph sz="half" idx="2"/>
+          </p:nvPr>
+        </p:nvSpPr>
+        <p:spPr/>
+        <p:txBody>
+          <a:bodyPr>
+            <a:normAutofit lnSpcReduction="10000"/>
+          </a:bodyPr>
+          <a:lstStyle/>
+          <a:p>
+            <a:pPr marL="0" indent="0">
+              <a:buNone/>
+            </a:pPr>
+            <a:r>
+              <a:rPr lang="en-US" dirty="0"/>
+              <a:t>How to do it </a:t>
+            </a:r>
+          </a:p>
+          <a:p>
+            <a:r>
+              <a:rPr lang="en-US" dirty="0"/>
+              <a:t>Directly casting the type </a:t>
+            </a:r>
+          </a:p>
+          <a:p>
+            <a:pPr lvl="1"/>
+            <a:r>
+              <a:rPr lang="en-US" dirty="0"/>
+              <a:t>(long)123</a:t>
+            </a:r>
+          </a:p>
+          <a:p>
+            <a:pPr lvl="1"/>
+            <a:r>
+              <a:rPr lang="en-US" dirty="0"/>
+              <a:t>Need to cast to the right type else you will get an exception at runtime</a:t>
+            </a:r>
+          </a:p>
+          <a:p>
+            <a:pPr lvl="1"/>
+            <a:r>
+              <a:rPr lang="en-US" dirty="0"/>
+              <a:t>Work with </a:t>
+            </a:r>
+            <a:r>
+              <a:rPr lang="en-US" dirty="0" err="1"/>
+              <a:t>anytype</a:t>
+            </a:r>
+            <a:endParaRPr lang="en-US" dirty="0"/>
+          </a:p>
+          <a:p>
+            <a:r>
+              <a:rPr lang="en-US" dirty="0"/>
+              <a:t>Is/As</a:t>
+            </a:r>
+          </a:p>
+          <a:p>
+            <a:pPr lvl="1"/>
+            <a:r>
+              <a:rPr lang="en-US" dirty="0"/>
+              <a:t>Allow to test if the object is implementing the expected type</a:t>
+            </a:r>
+          </a:p>
+          <a:p>
+            <a:pPr lvl="1"/>
+            <a:r>
+              <a:rPr lang="en-US" dirty="0"/>
+              <a:t>Required to be a class. It doesn’t work with base type.</a:t>
+            </a:r>
+          </a:p>
+          <a:p>
+            <a:pPr lvl="1"/>
+            <a:endParaRPr lang="en-US" dirty="0"/>
+          </a:p>
+          <a:p>
+            <a:pPr marL="457200" lvl="1" indent="0">
+              <a:buNone/>
+            </a:pPr>
+            <a:endParaRPr lang="en-US" dirty="0"/>
+          </a:p>
+        </p:txBody>
+      </p:sp>
+    </p:spTree>
+    <p:extLst>
+      <p:ext uri="{BB962C8B-B14F-4D97-AF65-F5344CB8AC3E}">
+        <p14:creationId xmlns:p14="http://schemas.microsoft.com/office/powerpoint/2010/main" val="3938111817"/>
+      </p:ext>
+    </p:extLst>
+  </p:cSld>
+  <p:clrMapOvr>
+    <a:overrideClrMapping bg1="dk1" tx1="lt1" bg2="dk2" tx2="lt2" accent1="accent1" accent2="accent2" accent3="accent3" accent4="accent4" accent5="accent5" accent6="accent6" hlink="hlink" folHlink="folHlink"/>
+  </p:clrMapOvr>
   <mc:AlternateContent xmlns:mc="http://schemas.openxmlformats.org/markup-compatibility/2006">
     <mc:Choice xmlns:p14="http://schemas.microsoft.com/office/powerpoint/2010/main" Requires="p14">
       <p:transition p14:dur="10"/>
@@ -6700,7 +8830,7 @@
                                           </p:stCondLst>
                                         </p:cTn>
                                         <p:tgtEl>
-                                          <p:spTgt spid="18">
+                                          <p:spTgt spid="3">
                                             <p:txEl>
                                               <p:pRg st="0" end="0"/>
                                             </p:txEl>
@@ -6718,7 +8848,7 @@
                                       <p:cBhvr additive="base">
                                         <p:cTn id="12" dur="500" fill="hold"/>
                                         <p:tgtEl>
-                                          <p:spTgt spid="18">
+                                          <p:spTgt spid="3">
                                             <p:txEl>
                                               <p:pRg st="0" end="0"/>
                                             </p:txEl>
@@ -6745,7 +8875,7 @@
                                       <p:cBhvr additive="base">
                                         <p:cTn id="13" dur="500" fill="hold"/>
                                         <p:tgtEl>
-                                          <p:spTgt spid="18">
+                                          <p:spTgt spid="3">
                                             <p:txEl>
                                               <p:pRg st="0" end="0"/>
                                             </p:txEl>
@@ -6785,9 +8915,9 @@
                                           </p:stCondLst>
                                         </p:cTn>
                                         <p:tgtEl>
-                                          <p:spTgt spid="18">
+                                          <p:spTgt spid="3">
                                             <p:txEl>
-                                              <p:pRg st="2" end="2"/>
+                                              <p:pRg st="1" end="1"/>
                                             </p:txEl>
                                           </p:spTgt>
                                         </p:tgtEl>
@@ -6803,9 +8933,9 @@
                                       <p:cBhvr additive="base">
                                         <p:cTn id="16" dur="500" fill="hold"/>
                                         <p:tgtEl>
-                                          <p:spTgt spid="18">
+                                          <p:spTgt spid="3">
                                             <p:txEl>
-                                              <p:pRg st="2" end="2"/>
+                                              <p:pRg st="1" end="1"/>
                                             </p:txEl>
                                           </p:spTgt>
                                         </p:tgtEl>
@@ -6830,9 +8960,9 @@
                                       <p:cBhvr additive="base">
                                         <p:cTn id="17" dur="500" fill="hold"/>
                                         <p:tgtEl>
-                                          <p:spTgt spid="18">
+                                          <p:spTgt spid="3">
                                             <p:txEl>
-                                              <p:pRg st="2" end="2"/>
+                                              <p:pRg st="1" end="1"/>
                                             </p:txEl>
                                           </p:spTgt>
                                         </p:tgtEl>
@@ -6870,9 +9000,9 @@
                                           </p:stCondLst>
                                         </p:cTn>
                                         <p:tgtEl>
-                                          <p:spTgt spid="18">
+                                          <p:spTgt spid="3">
                                             <p:txEl>
-                                              <p:pRg st="3" end="3"/>
+                                              <p:pRg st="2" end="2"/>
                                             </p:txEl>
                                           </p:spTgt>
                                         </p:tgtEl>
@@ -6888,9 +9018,9 @@
                                       <p:cBhvr additive="base">
                                         <p:cTn id="20" dur="500" fill="hold"/>
                                         <p:tgtEl>
-                                          <p:spTgt spid="18">
+                                          <p:spTgt spid="3">
                                             <p:txEl>
-                                              <p:pRg st="3" end="3"/>
+                                              <p:pRg st="2" end="2"/>
                                             </p:txEl>
                                           </p:spTgt>
                                         </p:tgtEl>
@@ -6915,9 +9045,9 @@
                                       <p:cBhvr additive="base">
                                         <p:cTn id="21" dur="500" fill="hold"/>
                                         <p:tgtEl>
-                                          <p:spTgt spid="18">
+                                          <p:spTgt spid="3">
                                             <p:txEl>
-                                              <p:pRg st="3" end="3"/>
+                                              <p:pRg st="2" end="2"/>
                                             </p:txEl>
                                           </p:spTgt>
                                         </p:tgtEl>
@@ -6955,9 +9085,9 @@
                                           </p:stCondLst>
                                         </p:cTn>
                                         <p:tgtEl>
-                                          <p:spTgt spid="18">
+                                          <p:spTgt spid="3">
                                             <p:txEl>
-                                              <p:pRg st="4" end="4"/>
+                                              <p:pRg st="3" end="3"/>
                                             </p:txEl>
                                           </p:spTgt>
                                         </p:tgtEl>
@@ -6973,9 +9103,9 @@
                                       <p:cBhvr additive="base">
                                         <p:cTn id="24" dur="500" fill="hold"/>
                                         <p:tgtEl>
-                                          <p:spTgt spid="18">
+                                          <p:spTgt spid="3">
                                             <p:txEl>
-                                              <p:pRg st="4" end="4"/>
+                                              <p:pRg st="3" end="3"/>
                                             </p:txEl>
                                           </p:spTgt>
                                         </p:tgtEl>
@@ -7000,9 +9130,9 @@
                                       <p:cBhvr additive="base">
                                         <p:cTn id="25" dur="500" fill="hold"/>
                                         <p:tgtEl>
-                                          <p:spTgt spid="18">
+                                          <p:spTgt spid="3">
                                             <p:txEl>
-                                              <p:pRg st="4" end="4"/>
+                                              <p:pRg st="3" end="3"/>
                                             </p:txEl>
                                           </p:spTgt>
                                         </p:tgtEl>
@@ -7040,9 +9170,9 @@
                                           </p:stCondLst>
                                         </p:cTn>
                                         <p:tgtEl>
-                                          <p:spTgt spid="18">
+                                          <p:spTgt spid="3">
                                             <p:txEl>
-                                              <p:pRg st="5" end="5"/>
+                                              <p:pRg st="4" end="4"/>
                                             </p:txEl>
                                           </p:spTgt>
                                         </p:tgtEl>
@@ -7058,9 +9188,9 @@
                                       <p:cBhvr additive="base">
                                         <p:cTn id="28" dur="500" fill="hold"/>
                                         <p:tgtEl>
-                                          <p:spTgt spid="18">
+                                          <p:spTgt spid="3">
                                             <p:txEl>
-                                              <p:pRg st="5" end="5"/>
+                                              <p:pRg st="4" end="4"/>
                                             </p:txEl>
                                           </p:spTgt>
                                         </p:tgtEl>
@@ -7085,9 +9215,9 @@
                                       <p:cBhvr additive="base">
                                         <p:cTn id="29" dur="500" fill="hold"/>
                                         <p:tgtEl>
-                                          <p:spTgt spid="18">
+                                          <p:spTgt spid="3">
                                             <p:txEl>
-                                              <p:pRg st="5" end="5"/>
+                                              <p:pRg st="4" end="4"/>
                                             </p:txEl>
                                           </p:spTgt>
                                         </p:tgtEl>
@@ -7125,9 +9255,9 @@
                                           </p:stCondLst>
                                         </p:cTn>
                                         <p:tgtEl>
-                                          <p:spTgt spid="18">
+                                          <p:spTgt spid="3">
                                             <p:txEl>
-                                              <p:pRg st="6" end="6"/>
+                                              <p:pRg st="5" end="5"/>
                                             </p:txEl>
                                           </p:spTgt>
                                         </p:tgtEl>
@@ -7143,9 +9273,9 @@
                                       <p:cBhvr additive="base">
                                         <p:cTn id="32" dur="500" fill="hold"/>
                                         <p:tgtEl>
-                                          <p:spTgt spid="18">
+                                          <p:spTgt spid="3">
                                             <p:txEl>
-                                              <p:pRg st="6" end="6"/>
+                                              <p:pRg st="5" end="5"/>
                                             </p:txEl>
                                           </p:spTgt>
                                         </p:tgtEl>
@@ -7170,9 +9300,9 @@
                                       <p:cBhvr additive="base">
                                         <p:cTn id="33" dur="500" fill="hold"/>
                                         <p:tgtEl>
-                                          <p:spTgt spid="18">
+                                          <p:spTgt spid="3">
                                             <p:txEl>
-                                              <p:pRg st="6" end="6"/>
+                                              <p:pRg st="5" end="5"/>
                                             </p:txEl>
                                           </p:spTgt>
                                         </p:tgtEl>
@@ -7210,9 +9340,9 @@
                                           </p:stCondLst>
                                         </p:cTn>
                                         <p:tgtEl>
-                                          <p:spTgt spid="18">
+                                          <p:spTgt spid="3">
                                             <p:txEl>
-                                              <p:pRg st="7" end="7"/>
+                                              <p:pRg st="6" end="6"/>
                                             </p:txEl>
                                           </p:spTgt>
                                         </p:tgtEl>
@@ -7228,9 +9358,9 @@
                                       <p:cBhvr additive="base">
                                         <p:cTn id="36" dur="500" fill="hold"/>
                                         <p:tgtEl>
-                                          <p:spTgt spid="18">
+                                          <p:spTgt spid="3">
                                             <p:txEl>
-                                              <p:pRg st="7" end="7"/>
+                                              <p:pRg st="6" end="6"/>
                                             </p:txEl>
                                           </p:spTgt>
                                         </p:tgtEl>
@@ -7255,9 +9385,9 @@
                                       <p:cBhvr additive="base">
                                         <p:cTn id="37" dur="500" fill="hold"/>
                                         <p:tgtEl>
-                                          <p:spTgt spid="18">
+                                          <p:spTgt spid="3">
                                             <p:txEl>
-                                              <p:pRg st="7" end="7"/>
+                                              <p:pRg st="6" end="6"/>
                                             </p:txEl>
                                           </p:spTgt>
                                         </p:tgtEl>
@@ -7295,9 +9425,9 @@
                                           </p:stCondLst>
                                         </p:cTn>
                                         <p:tgtEl>
-                                          <p:spTgt spid="18">
+                                          <p:spTgt spid="3">
                                             <p:txEl>
-                                              <p:pRg st="8" end="8"/>
+                                              <p:pRg st="7" end="7"/>
                                             </p:txEl>
                                           </p:spTgt>
                                         </p:tgtEl>
@@ -7313,9 +9443,9 @@
                                       <p:cBhvr additive="base">
                                         <p:cTn id="40" dur="500" fill="hold"/>
                                         <p:tgtEl>
-                                          <p:spTgt spid="18">
+                                          <p:spTgt spid="3">
                                             <p:txEl>
-                                              <p:pRg st="8" end="8"/>
+                                              <p:pRg st="7" end="7"/>
                                             </p:txEl>
                                           </p:spTgt>
                                         </p:tgtEl>
@@ -7340,707 +9470,9 @@
                                       <p:cBhvr additive="base">
                                         <p:cTn id="41" dur="500" fill="hold"/>
                                         <p:tgtEl>
-                                          <p:spTgt spid="18">
+                                          <p:spTgt spid="3">
                                             <p:txEl>
-                                              <p:pRg st="8" end="8"/>
-                                            </p:txEl>
-                                          </p:spTgt>
-                                        </p:tgtEl>
-                                        <p:attrNameLst>
-                                          <p:attrName>ppt_y</p:attrName>
-                                        </p:attrNameLst>
-                                      </p:cBhvr>
-                                      <p:tavLst>
-                                        <p:tav tm="0">
-                                          <p:val>
-                                            <p:strVal val="1+#ppt_h/2"/>
-                                          </p:val>
-                                        </p:tav>
-                                        <p:tav tm="100000">
-                                          <p:val>
-                                            <p:strVal val="#ppt_y"/>
-                                          </p:val>
-                                        </p:tav>
-                                      </p:tavLst>
-                                    </p:anim>
-                                  </p:childTnLst>
-                                </p:cTn>
-                              </p:par>
-                              <p:par>
-                                <p:cTn id="42" presetID="2" presetClass="entr" presetSubtype="4" fill="hold" grpId="0" nodeType="withEffect">
-                                  <p:stCondLst>
-                                    <p:cond delay="0"/>
-                                  </p:stCondLst>
-                                  <p:childTnLst>
-                                    <p:set>
-                                      <p:cBhvr>
-                                        <p:cTn id="43" dur="1" fill="hold">
-                                          <p:stCondLst>
-                                            <p:cond delay="0"/>
-                                          </p:stCondLst>
-                                        </p:cTn>
-                                        <p:tgtEl>
-                                          <p:spTgt spid="18">
-                                            <p:txEl>
-                                              <p:pRg st="9" end="9"/>
-                                            </p:txEl>
-                                          </p:spTgt>
-                                        </p:tgtEl>
-                                        <p:attrNameLst>
-                                          <p:attrName>style.visibility</p:attrName>
-                                        </p:attrNameLst>
-                                      </p:cBhvr>
-                                      <p:to>
-                                        <p:strVal val="visible"/>
-                                      </p:to>
-                                    </p:set>
-                                    <p:anim calcmode="lin" valueType="num">
-                                      <p:cBhvr additive="base">
-                                        <p:cTn id="44" dur="500" fill="hold"/>
-                                        <p:tgtEl>
-                                          <p:spTgt spid="18">
-                                            <p:txEl>
-                                              <p:pRg st="9" end="9"/>
-                                            </p:txEl>
-                                          </p:spTgt>
-                                        </p:tgtEl>
-                                        <p:attrNameLst>
-                                          <p:attrName>ppt_x</p:attrName>
-                                        </p:attrNameLst>
-                                      </p:cBhvr>
-                                      <p:tavLst>
-                                        <p:tav tm="0">
-                                          <p:val>
-                                            <p:strVal val="#ppt_x"/>
-                                          </p:val>
-                                        </p:tav>
-                                        <p:tav tm="100000">
-                                          <p:val>
-                                            <p:strVal val="#ppt_x"/>
-                                          </p:val>
-                                        </p:tav>
-                                      </p:tavLst>
-                                    </p:anim>
-                                    <p:anim calcmode="lin" valueType="num">
-                                      <p:cBhvr additive="base">
-                                        <p:cTn id="45" dur="500" fill="hold"/>
-                                        <p:tgtEl>
-                                          <p:spTgt spid="18">
-                                            <p:txEl>
-                                              <p:pRg st="9" end="9"/>
-                                            </p:txEl>
-                                          </p:spTgt>
-                                        </p:tgtEl>
-                                        <p:attrNameLst>
-                                          <p:attrName>ppt_y</p:attrName>
-                                        </p:attrNameLst>
-                                      </p:cBhvr>
-                                      <p:tavLst>
-                                        <p:tav tm="0">
-                                          <p:val>
-                                            <p:strVal val="1+#ppt_h/2"/>
-                                          </p:val>
-                                        </p:tav>
-                                        <p:tav tm="100000">
-                                          <p:val>
-                                            <p:strVal val="#ppt_y"/>
-                                          </p:val>
-                                        </p:tav>
-                                      </p:tavLst>
-                                    </p:anim>
-                                  </p:childTnLst>
-                                </p:cTn>
-                              </p:par>
-                            </p:childTnLst>
-                          </p:cTn>
-                        </p:par>
-                      </p:childTnLst>
-                    </p:cTn>
-                  </p:par>
-                  <p:par>
-                    <p:cTn id="46" fill="hold">
-                      <p:stCondLst>
-                        <p:cond delay="indefinite"/>
-                      </p:stCondLst>
-                      <p:childTnLst>
-                        <p:par>
-                          <p:cTn id="47" fill="hold">
-                            <p:stCondLst>
-                              <p:cond delay="0"/>
-                            </p:stCondLst>
-                            <p:childTnLst>
-                              <p:par>
-                                <p:cTn id="48" presetID="2" presetClass="entr" presetSubtype="4" fill="hold" grpId="0" nodeType="clickEffect">
-                                  <p:stCondLst>
-                                    <p:cond delay="0"/>
-                                  </p:stCondLst>
-                                  <p:childTnLst>
-                                    <p:set>
-                                      <p:cBhvr>
-                                        <p:cTn id="49" dur="1" fill="hold">
-                                          <p:stCondLst>
-                                            <p:cond delay="0"/>
-                                          </p:stCondLst>
-                                        </p:cTn>
-                                        <p:tgtEl>
-                                          <p:spTgt spid="18">
-                                            <p:txEl>
-                                              <p:pRg st="10" end="10"/>
-                                            </p:txEl>
-                                          </p:spTgt>
-                                        </p:tgtEl>
-                                        <p:attrNameLst>
-                                          <p:attrName>style.visibility</p:attrName>
-                                        </p:attrNameLst>
-                                      </p:cBhvr>
-                                      <p:to>
-                                        <p:strVal val="visible"/>
-                                      </p:to>
-                                    </p:set>
-                                    <p:anim calcmode="lin" valueType="num">
-                                      <p:cBhvr additive="base">
-                                        <p:cTn id="50" dur="500" fill="hold"/>
-                                        <p:tgtEl>
-                                          <p:spTgt spid="18">
-                                            <p:txEl>
-                                              <p:pRg st="10" end="10"/>
-                                            </p:txEl>
-                                          </p:spTgt>
-                                        </p:tgtEl>
-                                        <p:attrNameLst>
-                                          <p:attrName>ppt_x</p:attrName>
-                                        </p:attrNameLst>
-                                      </p:cBhvr>
-                                      <p:tavLst>
-                                        <p:tav tm="0">
-                                          <p:val>
-                                            <p:strVal val="#ppt_x"/>
-                                          </p:val>
-                                        </p:tav>
-                                        <p:tav tm="100000">
-                                          <p:val>
-                                            <p:strVal val="#ppt_x"/>
-                                          </p:val>
-                                        </p:tav>
-                                      </p:tavLst>
-                                    </p:anim>
-                                    <p:anim calcmode="lin" valueType="num">
-                                      <p:cBhvr additive="base">
-                                        <p:cTn id="51" dur="500" fill="hold"/>
-                                        <p:tgtEl>
-                                          <p:spTgt spid="18">
-                                            <p:txEl>
-                                              <p:pRg st="10" end="10"/>
-                                            </p:txEl>
-                                          </p:spTgt>
-                                        </p:tgtEl>
-                                        <p:attrNameLst>
-                                          <p:attrName>ppt_y</p:attrName>
-                                        </p:attrNameLst>
-                                      </p:cBhvr>
-                                      <p:tavLst>
-                                        <p:tav tm="0">
-                                          <p:val>
-                                            <p:strVal val="1+#ppt_h/2"/>
-                                          </p:val>
-                                        </p:tav>
-                                        <p:tav tm="100000">
-                                          <p:val>
-                                            <p:strVal val="#ppt_y"/>
-                                          </p:val>
-                                        </p:tav>
-                                      </p:tavLst>
-                                    </p:anim>
-                                  </p:childTnLst>
-                                </p:cTn>
-                              </p:par>
-                              <p:par>
-                                <p:cTn id="52" presetID="2" presetClass="entr" presetSubtype="4" fill="hold" grpId="0" nodeType="withEffect">
-                                  <p:stCondLst>
-                                    <p:cond delay="0"/>
-                                  </p:stCondLst>
-                                  <p:childTnLst>
-                                    <p:set>
-                                      <p:cBhvr>
-                                        <p:cTn id="53" dur="1" fill="hold">
-                                          <p:stCondLst>
-                                            <p:cond delay="0"/>
-                                          </p:stCondLst>
-                                        </p:cTn>
-                                        <p:tgtEl>
-                                          <p:spTgt spid="18">
-                                            <p:txEl>
-                                              <p:pRg st="11" end="11"/>
-                                            </p:txEl>
-                                          </p:spTgt>
-                                        </p:tgtEl>
-                                        <p:attrNameLst>
-                                          <p:attrName>style.visibility</p:attrName>
-                                        </p:attrNameLst>
-                                      </p:cBhvr>
-                                      <p:to>
-                                        <p:strVal val="visible"/>
-                                      </p:to>
-                                    </p:set>
-                                    <p:anim calcmode="lin" valueType="num">
-                                      <p:cBhvr additive="base">
-                                        <p:cTn id="54" dur="500" fill="hold"/>
-                                        <p:tgtEl>
-                                          <p:spTgt spid="18">
-                                            <p:txEl>
-                                              <p:pRg st="11" end="11"/>
-                                            </p:txEl>
-                                          </p:spTgt>
-                                        </p:tgtEl>
-                                        <p:attrNameLst>
-                                          <p:attrName>ppt_x</p:attrName>
-                                        </p:attrNameLst>
-                                      </p:cBhvr>
-                                      <p:tavLst>
-                                        <p:tav tm="0">
-                                          <p:val>
-                                            <p:strVal val="#ppt_x"/>
-                                          </p:val>
-                                        </p:tav>
-                                        <p:tav tm="100000">
-                                          <p:val>
-                                            <p:strVal val="#ppt_x"/>
-                                          </p:val>
-                                        </p:tav>
-                                      </p:tavLst>
-                                    </p:anim>
-                                    <p:anim calcmode="lin" valueType="num">
-                                      <p:cBhvr additive="base">
-                                        <p:cTn id="55" dur="500" fill="hold"/>
-                                        <p:tgtEl>
-                                          <p:spTgt spid="18">
-                                            <p:txEl>
-                                              <p:pRg st="11" end="11"/>
-                                            </p:txEl>
-                                          </p:spTgt>
-                                        </p:tgtEl>
-                                        <p:attrNameLst>
-                                          <p:attrName>ppt_y</p:attrName>
-                                        </p:attrNameLst>
-                                      </p:cBhvr>
-                                      <p:tavLst>
-                                        <p:tav tm="0">
-                                          <p:val>
-                                            <p:strVal val="1+#ppt_h/2"/>
-                                          </p:val>
-                                        </p:tav>
-                                        <p:tav tm="100000">
-                                          <p:val>
-                                            <p:strVal val="#ppt_y"/>
-                                          </p:val>
-                                        </p:tav>
-                                      </p:tavLst>
-                                    </p:anim>
-                                  </p:childTnLst>
-                                </p:cTn>
-                              </p:par>
-                              <p:par>
-                                <p:cTn id="56" presetID="2" presetClass="entr" presetSubtype="4" fill="hold" grpId="0" nodeType="withEffect">
-                                  <p:stCondLst>
-                                    <p:cond delay="0"/>
-                                  </p:stCondLst>
-                                  <p:childTnLst>
-                                    <p:set>
-                                      <p:cBhvr>
-                                        <p:cTn id="57" dur="1" fill="hold">
-                                          <p:stCondLst>
-                                            <p:cond delay="0"/>
-                                          </p:stCondLst>
-                                        </p:cTn>
-                                        <p:tgtEl>
-                                          <p:spTgt spid="18">
-                                            <p:txEl>
-                                              <p:pRg st="12" end="12"/>
-                                            </p:txEl>
-                                          </p:spTgt>
-                                        </p:tgtEl>
-                                        <p:attrNameLst>
-                                          <p:attrName>style.visibility</p:attrName>
-                                        </p:attrNameLst>
-                                      </p:cBhvr>
-                                      <p:to>
-                                        <p:strVal val="visible"/>
-                                      </p:to>
-                                    </p:set>
-                                    <p:anim calcmode="lin" valueType="num">
-                                      <p:cBhvr additive="base">
-                                        <p:cTn id="58" dur="500" fill="hold"/>
-                                        <p:tgtEl>
-                                          <p:spTgt spid="18">
-                                            <p:txEl>
-                                              <p:pRg st="12" end="12"/>
-                                            </p:txEl>
-                                          </p:spTgt>
-                                        </p:tgtEl>
-                                        <p:attrNameLst>
-                                          <p:attrName>ppt_x</p:attrName>
-                                        </p:attrNameLst>
-                                      </p:cBhvr>
-                                      <p:tavLst>
-                                        <p:tav tm="0">
-                                          <p:val>
-                                            <p:strVal val="#ppt_x"/>
-                                          </p:val>
-                                        </p:tav>
-                                        <p:tav tm="100000">
-                                          <p:val>
-                                            <p:strVal val="#ppt_x"/>
-                                          </p:val>
-                                        </p:tav>
-                                      </p:tavLst>
-                                    </p:anim>
-                                    <p:anim calcmode="lin" valueType="num">
-                                      <p:cBhvr additive="base">
-                                        <p:cTn id="59" dur="500" fill="hold"/>
-                                        <p:tgtEl>
-                                          <p:spTgt spid="18">
-                                            <p:txEl>
-                                              <p:pRg st="12" end="12"/>
-                                            </p:txEl>
-                                          </p:spTgt>
-                                        </p:tgtEl>
-                                        <p:attrNameLst>
-                                          <p:attrName>ppt_y</p:attrName>
-                                        </p:attrNameLst>
-                                      </p:cBhvr>
-                                      <p:tavLst>
-                                        <p:tav tm="0">
-                                          <p:val>
-                                            <p:strVal val="1+#ppt_h/2"/>
-                                          </p:val>
-                                        </p:tav>
-                                        <p:tav tm="100000">
-                                          <p:val>
-                                            <p:strVal val="#ppt_y"/>
-                                          </p:val>
-                                        </p:tav>
-                                      </p:tavLst>
-                                    </p:anim>
-                                  </p:childTnLst>
-                                </p:cTn>
-                              </p:par>
-                              <p:par>
-                                <p:cTn id="60" presetID="2" presetClass="entr" presetSubtype="4" fill="hold" grpId="0" nodeType="withEffect">
-                                  <p:stCondLst>
-                                    <p:cond delay="0"/>
-                                  </p:stCondLst>
-                                  <p:childTnLst>
-                                    <p:set>
-                                      <p:cBhvr>
-                                        <p:cTn id="61" dur="1" fill="hold">
-                                          <p:stCondLst>
-                                            <p:cond delay="0"/>
-                                          </p:stCondLst>
-                                        </p:cTn>
-                                        <p:tgtEl>
-                                          <p:spTgt spid="18">
-                                            <p:txEl>
-                                              <p:pRg st="13" end="13"/>
-                                            </p:txEl>
-                                          </p:spTgt>
-                                        </p:tgtEl>
-                                        <p:attrNameLst>
-                                          <p:attrName>style.visibility</p:attrName>
-                                        </p:attrNameLst>
-                                      </p:cBhvr>
-                                      <p:to>
-                                        <p:strVal val="visible"/>
-                                      </p:to>
-                                    </p:set>
-                                    <p:anim calcmode="lin" valueType="num">
-                                      <p:cBhvr additive="base">
-                                        <p:cTn id="62" dur="500" fill="hold"/>
-                                        <p:tgtEl>
-                                          <p:spTgt spid="18">
-                                            <p:txEl>
-                                              <p:pRg st="13" end="13"/>
-                                            </p:txEl>
-                                          </p:spTgt>
-                                        </p:tgtEl>
-                                        <p:attrNameLst>
-                                          <p:attrName>ppt_x</p:attrName>
-                                        </p:attrNameLst>
-                                      </p:cBhvr>
-                                      <p:tavLst>
-                                        <p:tav tm="0">
-                                          <p:val>
-                                            <p:strVal val="#ppt_x"/>
-                                          </p:val>
-                                        </p:tav>
-                                        <p:tav tm="100000">
-                                          <p:val>
-                                            <p:strVal val="#ppt_x"/>
-                                          </p:val>
-                                        </p:tav>
-                                      </p:tavLst>
-                                    </p:anim>
-                                    <p:anim calcmode="lin" valueType="num">
-                                      <p:cBhvr additive="base">
-                                        <p:cTn id="63" dur="500" fill="hold"/>
-                                        <p:tgtEl>
-                                          <p:spTgt spid="18">
-                                            <p:txEl>
-                                              <p:pRg st="13" end="13"/>
-                                            </p:txEl>
-                                          </p:spTgt>
-                                        </p:tgtEl>
-                                        <p:attrNameLst>
-                                          <p:attrName>ppt_y</p:attrName>
-                                        </p:attrNameLst>
-                                      </p:cBhvr>
-                                      <p:tavLst>
-                                        <p:tav tm="0">
-                                          <p:val>
-                                            <p:strVal val="1+#ppt_h/2"/>
-                                          </p:val>
-                                        </p:tav>
-                                        <p:tav tm="100000">
-                                          <p:val>
-                                            <p:strVal val="#ppt_y"/>
-                                          </p:val>
-                                        </p:tav>
-                                      </p:tavLst>
-                                    </p:anim>
-                                  </p:childTnLst>
-                                </p:cTn>
-                              </p:par>
-                              <p:par>
-                                <p:cTn id="64" presetID="2" presetClass="entr" presetSubtype="4" fill="hold" grpId="0" nodeType="withEffect">
-                                  <p:stCondLst>
-                                    <p:cond delay="0"/>
-                                  </p:stCondLst>
-                                  <p:childTnLst>
-                                    <p:set>
-                                      <p:cBhvr>
-                                        <p:cTn id="65" dur="1" fill="hold">
-                                          <p:stCondLst>
-                                            <p:cond delay="0"/>
-                                          </p:stCondLst>
-                                        </p:cTn>
-                                        <p:tgtEl>
-                                          <p:spTgt spid="18">
-                                            <p:txEl>
-                                              <p:pRg st="14" end="14"/>
-                                            </p:txEl>
-                                          </p:spTgt>
-                                        </p:tgtEl>
-                                        <p:attrNameLst>
-                                          <p:attrName>style.visibility</p:attrName>
-                                        </p:attrNameLst>
-                                      </p:cBhvr>
-                                      <p:to>
-                                        <p:strVal val="visible"/>
-                                      </p:to>
-                                    </p:set>
-                                    <p:anim calcmode="lin" valueType="num">
-                                      <p:cBhvr additive="base">
-                                        <p:cTn id="66" dur="500" fill="hold"/>
-                                        <p:tgtEl>
-                                          <p:spTgt spid="18">
-                                            <p:txEl>
-                                              <p:pRg st="14" end="14"/>
-                                            </p:txEl>
-                                          </p:spTgt>
-                                        </p:tgtEl>
-                                        <p:attrNameLst>
-                                          <p:attrName>ppt_x</p:attrName>
-                                        </p:attrNameLst>
-                                      </p:cBhvr>
-                                      <p:tavLst>
-                                        <p:tav tm="0">
-                                          <p:val>
-                                            <p:strVal val="#ppt_x"/>
-                                          </p:val>
-                                        </p:tav>
-                                        <p:tav tm="100000">
-                                          <p:val>
-                                            <p:strVal val="#ppt_x"/>
-                                          </p:val>
-                                        </p:tav>
-                                      </p:tavLst>
-                                    </p:anim>
-                                    <p:anim calcmode="lin" valueType="num">
-                                      <p:cBhvr additive="base">
-                                        <p:cTn id="67" dur="500" fill="hold"/>
-                                        <p:tgtEl>
-                                          <p:spTgt spid="18">
-                                            <p:txEl>
-                                              <p:pRg st="14" end="14"/>
-                                            </p:txEl>
-                                          </p:spTgt>
-                                        </p:tgtEl>
-                                        <p:attrNameLst>
-                                          <p:attrName>ppt_y</p:attrName>
-                                        </p:attrNameLst>
-                                      </p:cBhvr>
-                                      <p:tavLst>
-                                        <p:tav tm="0">
-                                          <p:val>
-                                            <p:strVal val="1+#ppt_h/2"/>
-                                          </p:val>
-                                        </p:tav>
-                                        <p:tav tm="100000">
-                                          <p:val>
-                                            <p:strVal val="#ppt_y"/>
-                                          </p:val>
-                                        </p:tav>
-                                      </p:tavLst>
-                                    </p:anim>
-                                  </p:childTnLst>
-                                </p:cTn>
-                              </p:par>
-                              <p:par>
-                                <p:cTn id="68" presetID="2" presetClass="entr" presetSubtype="4" fill="hold" grpId="0" nodeType="withEffect">
-                                  <p:stCondLst>
-                                    <p:cond delay="0"/>
-                                  </p:stCondLst>
-                                  <p:childTnLst>
-                                    <p:set>
-                                      <p:cBhvr>
-                                        <p:cTn id="69" dur="1" fill="hold">
-                                          <p:stCondLst>
-                                            <p:cond delay="0"/>
-                                          </p:stCondLst>
-                                        </p:cTn>
-                                        <p:tgtEl>
-                                          <p:spTgt spid="18">
-                                            <p:txEl>
-                                              <p:pRg st="15" end="15"/>
-                                            </p:txEl>
-                                          </p:spTgt>
-                                        </p:tgtEl>
-                                        <p:attrNameLst>
-                                          <p:attrName>style.visibility</p:attrName>
-                                        </p:attrNameLst>
-                                      </p:cBhvr>
-                                      <p:to>
-                                        <p:strVal val="visible"/>
-                                      </p:to>
-                                    </p:set>
-                                    <p:anim calcmode="lin" valueType="num">
-                                      <p:cBhvr additive="base">
-                                        <p:cTn id="70" dur="500" fill="hold"/>
-                                        <p:tgtEl>
-                                          <p:spTgt spid="18">
-                                            <p:txEl>
-                                              <p:pRg st="15" end="15"/>
-                                            </p:txEl>
-                                          </p:spTgt>
-                                        </p:tgtEl>
-                                        <p:attrNameLst>
-                                          <p:attrName>ppt_x</p:attrName>
-                                        </p:attrNameLst>
-                                      </p:cBhvr>
-                                      <p:tavLst>
-                                        <p:tav tm="0">
-                                          <p:val>
-                                            <p:strVal val="#ppt_x"/>
-                                          </p:val>
-                                        </p:tav>
-                                        <p:tav tm="100000">
-                                          <p:val>
-                                            <p:strVal val="#ppt_x"/>
-                                          </p:val>
-                                        </p:tav>
-                                      </p:tavLst>
-                                    </p:anim>
-                                    <p:anim calcmode="lin" valueType="num">
-                                      <p:cBhvr additive="base">
-                                        <p:cTn id="71" dur="500" fill="hold"/>
-                                        <p:tgtEl>
-                                          <p:spTgt spid="18">
-                                            <p:txEl>
-                                              <p:pRg st="15" end="15"/>
-                                            </p:txEl>
-                                          </p:spTgt>
-                                        </p:tgtEl>
-                                        <p:attrNameLst>
-                                          <p:attrName>ppt_y</p:attrName>
-                                        </p:attrNameLst>
-                                      </p:cBhvr>
-                                      <p:tavLst>
-                                        <p:tav tm="0">
-                                          <p:val>
-                                            <p:strVal val="1+#ppt_h/2"/>
-                                          </p:val>
-                                        </p:tav>
-                                        <p:tav tm="100000">
-                                          <p:val>
-                                            <p:strVal val="#ppt_y"/>
-                                          </p:val>
-                                        </p:tav>
-                                      </p:tavLst>
-                                    </p:anim>
-                                  </p:childTnLst>
-                                </p:cTn>
-                              </p:par>
-                              <p:par>
-                                <p:cTn id="72" presetID="2" presetClass="entr" presetSubtype="4" fill="hold" grpId="0" nodeType="withEffect">
-                                  <p:stCondLst>
-                                    <p:cond delay="0"/>
-                                  </p:stCondLst>
-                                  <p:childTnLst>
-                                    <p:set>
-                                      <p:cBhvr>
-                                        <p:cTn id="73" dur="1" fill="hold">
-                                          <p:stCondLst>
-                                            <p:cond delay="0"/>
-                                          </p:stCondLst>
-                                        </p:cTn>
-                                        <p:tgtEl>
-                                          <p:spTgt spid="18">
-                                            <p:txEl>
-                                              <p:pRg st="16" end="16"/>
-                                            </p:txEl>
-                                          </p:spTgt>
-                                        </p:tgtEl>
-                                        <p:attrNameLst>
-                                          <p:attrName>style.visibility</p:attrName>
-                                        </p:attrNameLst>
-                                      </p:cBhvr>
-                                      <p:to>
-                                        <p:strVal val="visible"/>
-                                      </p:to>
-                                    </p:set>
-                                    <p:anim calcmode="lin" valueType="num">
-                                      <p:cBhvr additive="base">
-                                        <p:cTn id="74" dur="500" fill="hold"/>
-                                        <p:tgtEl>
-                                          <p:spTgt spid="18">
-                                            <p:txEl>
-                                              <p:pRg st="16" end="16"/>
-                                            </p:txEl>
-                                          </p:spTgt>
-                                        </p:tgtEl>
-                                        <p:attrNameLst>
-                                          <p:attrName>ppt_x</p:attrName>
-                                        </p:attrNameLst>
-                                      </p:cBhvr>
-                                      <p:tavLst>
-                                        <p:tav tm="0">
-                                          <p:val>
-                                            <p:strVal val="#ppt_x"/>
-                                          </p:val>
-                                        </p:tav>
-                                        <p:tav tm="100000">
-                                          <p:val>
-                                            <p:strVal val="#ppt_x"/>
-                                          </p:val>
-                                        </p:tav>
-                                      </p:tavLst>
-                                    </p:anim>
-                                    <p:anim calcmode="lin" valueType="num">
-                                      <p:cBhvr additive="base">
-                                        <p:cTn id="75" dur="500" fill="hold"/>
-                                        <p:tgtEl>
-                                          <p:spTgt spid="18">
-                                            <p:txEl>
-                                              <p:pRg st="16" end="16"/>
+                                              <p:pRg st="7" end="7"/>
                                             </p:txEl>
                                           </p:spTgt>
                                         </p:tgtEl>
@@ -8092,7 +9524,7 @@
       </p:par>
     </p:tnLst>
     <p:bldLst>
-      <p:bldP spid="18" grpId="0" uiExpand="1" build="p"/>
+      <p:bldP spid="3" grpId="0" uiExpand="1" build="p"/>
     </p:bldLst>
   </p:timing>
 </p:sld>
